--- a/Sesion_3/Condicionales y ciclos.pptx
+++ b/Sesion_3/Condicionales y ciclos.pptx
@@ -5,10 +5,10 @@
     <p:sldMasterId id="2147483778" r:id="rId4"/>
   </p:sldMasterIdLst>
   <p:notesMasterIdLst>
-    <p:notesMasterId r:id="rId17"/>
+    <p:notesMasterId r:id="rId14"/>
   </p:notesMasterIdLst>
   <p:handoutMasterIdLst>
-    <p:handoutMasterId r:id="rId18"/>
+    <p:handoutMasterId r:id="rId15"/>
   </p:handoutMasterIdLst>
   <p:sldIdLst>
     <p:sldId id="256" r:id="rId5"/>
@@ -20,9 +20,6 @@
     <p:sldId id="261" r:id="rId11"/>
     <p:sldId id="260" r:id="rId12"/>
     <p:sldId id="286" r:id="rId13"/>
-    <p:sldId id="262" r:id="rId14"/>
-    <p:sldId id="263" r:id="rId15"/>
-    <p:sldId id="264" r:id="rId16"/>
   </p:sldIdLst>
   <p:sldSz cx="9144000" cy="6858000" type="letter"/>
   <p:notesSz cx="6858000" cy="9144000"/>
@@ -135,9 +132,6 @@
             <p14:sldId id="261"/>
             <p14:sldId id="260"/>
             <p14:sldId id="286"/>
-            <p14:sldId id="262"/>
-            <p14:sldId id="263"/>
-            <p14:sldId id="264"/>
           </p14:sldIdLst>
         </p14:section>
       </p14:sectionLst>
@@ -270,7 +264,7 @@
   <pc:docChgLst>
     <pc:chgData name="JHEYSON FABIAN VILLAVISAN BUITRAGO" userId="e5ced5c2-d787-455d-b115-4f08a699b8c8" providerId="ADAL" clId="{E19FD061-E270-4444-92F3-0E47E8F417D2}"/>
     <pc:docChg chg="undo custSel addSld delSld modSld sldOrd modSection">
-      <pc:chgData name="JHEYSON FABIAN VILLAVISAN BUITRAGO" userId="e5ced5c2-d787-455d-b115-4f08a699b8c8" providerId="ADAL" clId="{E19FD061-E270-4444-92F3-0E47E8F417D2}" dt="2025-01-20T15:58:57.322" v="170" actId="47"/>
+      <pc:chgData name="JHEYSON FABIAN VILLAVISAN BUITRAGO" userId="e5ced5c2-d787-455d-b115-4f08a699b8c8" providerId="ADAL" clId="{E19FD061-E270-4444-92F3-0E47E8F417D2}" dt="2025-01-20T17:12:31.337" v="173" actId="47"/>
       <pc:docMkLst>
         <pc:docMk/>
       </pc:docMkLst>
@@ -389,8 +383,8 @@
           </ac:spMkLst>
         </pc:spChg>
       </pc:sldChg>
-      <pc:sldChg chg="modSp mod">
-        <pc:chgData name="JHEYSON FABIAN VILLAVISAN BUITRAGO" userId="e5ced5c2-d787-455d-b115-4f08a699b8c8" providerId="ADAL" clId="{E19FD061-E270-4444-92F3-0E47E8F417D2}" dt="2025-01-20T15:55:47.546" v="129" actId="20577"/>
+      <pc:sldChg chg="modSp del mod">
+        <pc:chgData name="JHEYSON FABIAN VILLAVISAN BUITRAGO" userId="e5ced5c2-d787-455d-b115-4f08a699b8c8" providerId="ADAL" clId="{E19FD061-E270-4444-92F3-0E47E8F417D2}" dt="2025-01-20T17:12:31.337" v="173" actId="47"/>
         <pc:sldMkLst>
           <pc:docMk/>
           <pc:sldMk cId="2945622641" sldId="262"/>
@@ -420,8 +414,8 @@
           </ac:spMkLst>
         </pc:spChg>
       </pc:sldChg>
-      <pc:sldChg chg="modSp mod">
-        <pc:chgData name="JHEYSON FABIAN VILLAVISAN BUITRAGO" userId="e5ced5c2-d787-455d-b115-4f08a699b8c8" providerId="ADAL" clId="{E19FD061-E270-4444-92F3-0E47E8F417D2}" dt="2025-01-20T15:57:20.473" v="150" actId="20577"/>
+      <pc:sldChg chg="modSp del mod">
+        <pc:chgData name="JHEYSON FABIAN VILLAVISAN BUITRAGO" userId="e5ced5c2-d787-455d-b115-4f08a699b8c8" providerId="ADAL" clId="{E19FD061-E270-4444-92F3-0E47E8F417D2}" dt="2025-01-20T17:12:30.867" v="172" actId="47"/>
         <pc:sldMkLst>
           <pc:docMk/>
           <pc:sldMk cId="1619453116" sldId="263"/>
@@ -451,8 +445,8 @@
           </ac:spMkLst>
         </pc:spChg>
       </pc:sldChg>
-      <pc:sldChg chg="modSp mod">
-        <pc:chgData name="JHEYSON FABIAN VILLAVISAN BUITRAGO" userId="e5ced5c2-d787-455d-b115-4f08a699b8c8" providerId="ADAL" clId="{E19FD061-E270-4444-92F3-0E47E8F417D2}" dt="2025-01-20T15:58:14.449" v="152" actId="20577"/>
+      <pc:sldChg chg="modSp del mod">
+        <pc:chgData name="JHEYSON FABIAN VILLAVISAN BUITRAGO" userId="e5ced5c2-d787-455d-b115-4f08a699b8c8" providerId="ADAL" clId="{E19FD061-E270-4444-92F3-0E47E8F417D2}" dt="2025-01-20T17:12:30.618" v="171" actId="47"/>
         <pc:sldMkLst>
           <pc:docMk/>
           <pc:sldMk cId="1583425945" sldId="264"/>
@@ -2537,888 +2531,6 @@
 </p:notes>
 </file>
 
-<file path=ppt/notesSlides/notesSlide10.xml><?xml version="1.0" encoding="utf-8"?>
-<p:notes xmlns:a="http://schemas.openxmlformats.org/drawingml/2006/main" xmlns:r="http://schemas.openxmlformats.org/officeDocument/2006/relationships" xmlns:p="http://schemas.openxmlformats.org/presentationml/2006/main">
-  <p:cSld>
-    <p:spTree>
-      <p:nvGrpSpPr>
-        <p:cNvPr id="1" name=""/>
-        <p:cNvGrpSpPr/>
-        <p:nvPr/>
-      </p:nvGrpSpPr>
-      <p:grpSpPr>
-        <a:xfrm>
-          <a:off x="0" y="0"/>
-          <a:ext cx="0" cy="0"/>
-          <a:chOff x="0" y="0"/>
-          <a:chExt cx="0" cy="0"/>
-        </a:xfrm>
-      </p:grpSpPr>
-      <p:sp>
-        <p:nvSpPr>
-          <p:cNvPr id="6146" name="1 Marcador de imagen de diapositiva">
-            <a:extLst>
-              <a:ext uri="{FF2B5EF4-FFF2-40B4-BE49-F238E27FC236}">
-                <a16:creationId xmlns:a16="http://schemas.microsoft.com/office/drawing/2014/main" id="{78D3C7C4-FFB3-42B6-A4B0-ED4A84AF8C2A}"/>
-              </a:ext>
-            </a:extLst>
-          </p:cNvPr>
-          <p:cNvSpPr>
-            <a:spLocks noGrp="1" noRot="1" noChangeAspect="1" noTextEdit="1"/>
-          </p:cNvSpPr>
-          <p:nvPr>
-            <p:ph type="sldImg"/>
-          </p:nvPr>
-        </p:nvSpPr>
-        <p:spPr bwMode="auto">
-          <a:noFill/>
-          <a:ln>
-            <a:solidFill>
-              <a:srgbClr val="000000"/>
-            </a:solidFill>
-            <a:miter lim="800000"/>
-            <a:headEnd/>
-            <a:tailEnd/>
-          </a:ln>
-          <a:extLst>
-            <a:ext uri="{909E8E84-426E-40DD-AFC4-6F175D3DCCD1}">
-              <a14:hiddenFill xmlns:a14="http://schemas.microsoft.com/office/drawing/2010/main">
-                <a:solidFill>
-                  <a:srgbClr val="FFFFFF"/>
-                </a:solidFill>
-              </a14:hiddenFill>
-            </a:ext>
-          </a:extLst>
-        </p:spPr>
-      </p:sp>
-      <p:sp>
-        <p:nvSpPr>
-          <p:cNvPr id="6147" name="2 Marcador de notas">
-            <a:extLst>
-              <a:ext uri="{FF2B5EF4-FFF2-40B4-BE49-F238E27FC236}">
-                <a16:creationId xmlns:a16="http://schemas.microsoft.com/office/drawing/2014/main" id="{E86488B3-6D5E-452F-A655-0C78399B0DF9}"/>
-              </a:ext>
-            </a:extLst>
-          </p:cNvPr>
-          <p:cNvSpPr>
-            <a:spLocks noGrp="1"/>
-          </p:cNvSpPr>
-          <p:nvPr>
-            <p:ph type="body" idx="1"/>
-          </p:nvPr>
-        </p:nvSpPr>
-        <p:spPr bwMode="auto">
-          <a:noFill/>
-          <a:extLst>
-            <a:ext uri="{909E8E84-426E-40DD-AFC4-6F175D3DCCD1}">
-              <a14:hiddenFill xmlns:a14="http://schemas.microsoft.com/office/drawing/2010/main">
-                <a:solidFill>
-                  <a:srgbClr val="FFFFFF"/>
-                </a:solidFill>
-              </a14:hiddenFill>
-            </a:ext>
-            <a:ext uri="{91240B29-F687-4F45-9708-019B960494DF}">
-              <a14:hiddenLine xmlns:a14="http://schemas.microsoft.com/office/drawing/2010/main" w="9525">
-                <a:solidFill>
-                  <a:srgbClr val="000000"/>
-                </a:solidFill>
-                <a:miter lim="800000"/>
-                <a:headEnd/>
-                <a:tailEnd/>
-              </a14:hiddenLine>
-            </a:ext>
-          </a:extLst>
-        </p:spPr>
-        <p:txBody>
-          <a:bodyPr wrap="square" numCol="1" anchor="t" anchorCtr="0" compatLnSpc="1">
-            <a:prstTxWarp prst="textNoShape">
-              <a:avLst/>
-            </a:prstTxWarp>
-          </a:bodyPr>
-          <a:lstStyle/>
-          <a:p>
-            <a:pPr eaLnBrk="1" hangingPunct="1">
-              <a:spcBef>
-                <a:spcPct val="0"/>
-              </a:spcBef>
-            </a:pPr>
-            <a:endParaRPr lang="es-CO" altLang="es-CO"/>
-          </a:p>
-        </p:txBody>
-      </p:sp>
-      <p:sp>
-        <p:nvSpPr>
-          <p:cNvPr id="6148" name="3 Marcador de número de diapositiva">
-            <a:extLst>
-              <a:ext uri="{FF2B5EF4-FFF2-40B4-BE49-F238E27FC236}">
-                <a16:creationId xmlns:a16="http://schemas.microsoft.com/office/drawing/2014/main" id="{7A241DB1-0FDE-44DC-B1DD-D836F28027BA}"/>
-              </a:ext>
-            </a:extLst>
-          </p:cNvPr>
-          <p:cNvSpPr>
-            <a:spLocks noGrp="1" noChangeArrowheads="1"/>
-          </p:cNvSpPr>
-          <p:nvPr>
-            <p:ph type="sldNum" sz="quarter" idx="5"/>
-          </p:nvPr>
-        </p:nvSpPr>
-        <p:spPr bwMode="auto">
-          <a:noFill/>
-          <a:extLst>
-            <a:ext uri="{909E8E84-426E-40DD-AFC4-6F175D3DCCD1}">
-              <a14:hiddenFill xmlns:a14="http://schemas.microsoft.com/office/drawing/2010/main">
-                <a:solidFill>
-                  <a:srgbClr val="FFFFFF"/>
-                </a:solidFill>
-              </a14:hiddenFill>
-            </a:ext>
-            <a:ext uri="{91240B29-F687-4F45-9708-019B960494DF}">
-              <a14:hiddenLine xmlns:a14="http://schemas.microsoft.com/office/drawing/2010/main" w="9525">
-                <a:solidFill>
-                  <a:srgbClr val="000000"/>
-                </a:solidFill>
-                <a:miter lim="800000"/>
-                <a:headEnd/>
-                <a:tailEnd/>
-              </a14:hiddenLine>
-            </a:ext>
-          </a:extLst>
-        </p:spPr>
-        <p:txBody>
-          <a:bodyPr/>
-          <a:lstStyle>
-            <a:lvl1pPr>
-              <a:spcBef>
-                <a:spcPct val="30000"/>
-              </a:spcBef>
-              <a:defRPr sz="1200">
-                <a:solidFill>
-                  <a:schemeClr val="tx1"/>
-                </a:solidFill>
-                <a:latin typeface="Calibri" panose="020F0502020204030204" pitchFamily="34" charset="0"/>
-              </a:defRPr>
-            </a:lvl1pPr>
-            <a:lvl2pPr marL="742950" indent="-285750">
-              <a:spcBef>
-                <a:spcPct val="30000"/>
-              </a:spcBef>
-              <a:defRPr sz="1200">
-                <a:solidFill>
-                  <a:schemeClr val="tx1"/>
-                </a:solidFill>
-                <a:latin typeface="Calibri" panose="020F0502020204030204" pitchFamily="34" charset="0"/>
-              </a:defRPr>
-            </a:lvl2pPr>
-            <a:lvl3pPr marL="1143000" indent="-228600">
-              <a:spcBef>
-                <a:spcPct val="30000"/>
-              </a:spcBef>
-              <a:defRPr sz="1200">
-                <a:solidFill>
-                  <a:schemeClr val="tx1"/>
-                </a:solidFill>
-                <a:latin typeface="Calibri" panose="020F0502020204030204" pitchFamily="34" charset="0"/>
-              </a:defRPr>
-            </a:lvl3pPr>
-            <a:lvl4pPr marL="1600200" indent="-228600">
-              <a:spcBef>
-                <a:spcPct val="30000"/>
-              </a:spcBef>
-              <a:defRPr sz="1200">
-                <a:solidFill>
-                  <a:schemeClr val="tx1"/>
-                </a:solidFill>
-                <a:latin typeface="Calibri" panose="020F0502020204030204" pitchFamily="34" charset="0"/>
-              </a:defRPr>
-            </a:lvl4pPr>
-            <a:lvl5pPr marL="2057400" indent="-228600">
-              <a:spcBef>
-                <a:spcPct val="30000"/>
-              </a:spcBef>
-              <a:defRPr sz="1200">
-                <a:solidFill>
-                  <a:schemeClr val="tx1"/>
-                </a:solidFill>
-                <a:latin typeface="Calibri" panose="020F0502020204030204" pitchFamily="34" charset="0"/>
-              </a:defRPr>
-            </a:lvl5pPr>
-            <a:lvl6pPr marL="2514600" indent="-228600" eaLnBrk="0" fontAlgn="base" hangingPunct="0">
-              <a:spcBef>
-                <a:spcPct val="30000"/>
-              </a:spcBef>
-              <a:spcAft>
-                <a:spcPct val="0"/>
-              </a:spcAft>
-              <a:defRPr sz="1200">
-                <a:solidFill>
-                  <a:schemeClr val="tx1"/>
-                </a:solidFill>
-                <a:latin typeface="Calibri" panose="020F0502020204030204" pitchFamily="34" charset="0"/>
-              </a:defRPr>
-            </a:lvl6pPr>
-            <a:lvl7pPr marL="2971800" indent="-228600" eaLnBrk="0" fontAlgn="base" hangingPunct="0">
-              <a:spcBef>
-                <a:spcPct val="30000"/>
-              </a:spcBef>
-              <a:spcAft>
-                <a:spcPct val="0"/>
-              </a:spcAft>
-              <a:defRPr sz="1200">
-                <a:solidFill>
-                  <a:schemeClr val="tx1"/>
-                </a:solidFill>
-                <a:latin typeface="Calibri" panose="020F0502020204030204" pitchFamily="34" charset="0"/>
-              </a:defRPr>
-            </a:lvl7pPr>
-            <a:lvl8pPr marL="3429000" indent="-228600" eaLnBrk="0" fontAlgn="base" hangingPunct="0">
-              <a:spcBef>
-                <a:spcPct val="30000"/>
-              </a:spcBef>
-              <a:spcAft>
-                <a:spcPct val="0"/>
-              </a:spcAft>
-              <a:defRPr sz="1200">
-                <a:solidFill>
-                  <a:schemeClr val="tx1"/>
-                </a:solidFill>
-                <a:latin typeface="Calibri" panose="020F0502020204030204" pitchFamily="34" charset="0"/>
-              </a:defRPr>
-            </a:lvl8pPr>
-            <a:lvl9pPr marL="3886200" indent="-228600" eaLnBrk="0" fontAlgn="base" hangingPunct="0">
-              <a:spcBef>
-                <a:spcPct val="30000"/>
-              </a:spcBef>
-              <a:spcAft>
-                <a:spcPct val="0"/>
-              </a:spcAft>
-              <a:defRPr sz="1200">
-                <a:solidFill>
-                  <a:schemeClr val="tx1"/>
-                </a:solidFill>
-                <a:latin typeface="Calibri" panose="020F0502020204030204" pitchFamily="34" charset="0"/>
-              </a:defRPr>
-            </a:lvl9pPr>
-          </a:lstStyle>
-          <a:p>
-            <a:pPr>
-              <a:spcBef>
-                <a:spcPct val="0"/>
-              </a:spcBef>
-            </a:pPr>
-            <a:fld id="{28E7ECF6-8A67-4CA6-BDA2-9506B8AC7939}" type="slidenum">
-              <a:rPr lang="es-CO" altLang="es-CO" smtClean="0"/>
-              <a:pPr>
-                <a:spcBef>
-                  <a:spcPct val="0"/>
-                </a:spcBef>
-              </a:pPr>
-              <a:t>10</a:t>
-            </a:fld>
-            <a:endParaRPr lang="es-CO" altLang="es-CO"/>
-          </a:p>
-        </p:txBody>
-      </p:sp>
-    </p:spTree>
-    <p:extLst>
-      <p:ext uri="{BB962C8B-B14F-4D97-AF65-F5344CB8AC3E}">
-        <p14:creationId xmlns:p14="http://schemas.microsoft.com/office/powerpoint/2010/main" val="1202057650"/>
-      </p:ext>
-    </p:extLst>
-  </p:cSld>
-  <p:clrMapOvr>
-    <a:masterClrMapping/>
-  </p:clrMapOvr>
-</p:notes>
-</file>
-
-<file path=ppt/notesSlides/notesSlide11.xml><?xml version="1.0" encoding="utf-8"?>
-<p:notes xmlns:a="http://schemas.openxmlformats.org/drawingml/2006/main" xmlns:r="http://schemas.openxmlformats.org/officeDocument/2006/relationships" xmlns:p="http://schemas.openxmlformats.org/presentationml/2006/main">
-  <p:cSld>
-    <p:spTree>
-      <p:nvGrpSpPr>
-        <p:cNvPr id="1" name=""/>
-        <p:cNvGrpSpPr/>
-        <p:nvPr/>
-      </p:nvGrpSpPr>
-      <p:grpSpPr>
-        <a:xfrm>
-          <a:off x="0" y="0"/>
-          <a:ext cx="0" cy="0"/>
-          <a:chOff x="0" y="0"/>
-          <a:chExt cx="0" cy="0"/>
-        </a:xfrm>
-      </p:grpSpPr>
-      <p:sp>
-        <p:nvSpPr>
-          <p:cNvPr id="6146" name="1 Marcador de imagen de diapositiva">
-            <a:extLst>
-              <a:ext uri="{FF2B5EF4-FFF2-40B4-BE49-F238E27FC236}">
-                <a16:creationId xmlns:a16="http://schemas.microsoft.com/office/drawing/2014/main" id="{78D3C7C4-FFB3-42B6-A4B0-ED4A84AF8C2A}"/>
-              </a:ext>
-            </a:extLst>
-          </p:cNvPr>
-          <p:cNvSpPr>
-            <a:spLocks noGrp="1" noRot="1" noChangeAspect="1" noTextEdit="1"/>
-          </p:cNvSpPr>
-          <p:nvPr>
-            <p:ph type="sldImg"/>
-          </p:nvPr>
-        </p:nvSpPr>
-        <p:spPr bwMode="auto">
-          <a:noFill/>
-          <a:ln>
-            <a:solidFill>
-              <a:srgbClr val="000000"/>
-            </a:solidFill>
-            <a:miter lim="800000"/>
-            <a:headEnd/>
-            <a:tailEnd/>
-          </a:ln>
-          <a:extLst>
-            <a:ext uri="{909E8E84-426E-40DD-AFC4-6F175D3DCCD1}">
-              <a14:hiddenFill xmlns:a14="http://schemas.microsoft.com/office/drawing/2010/main">
-                <a:solidFill>
-                  <a:srgbClr val="FFFFFF"/>
-                </a:solidFill>
-              </a14:hiddenFill>
-            </a:ext>
-          </a:extLst>
-        </p:spPr>
-      </p:sp>
-      <p:sp>
-        <p:nvSpPr>
-          <p:cNvPr id="6147" name="2 Marcador de notas">
-            <a:extLst>
-              <a:ext uri="{FF2B5EF4-FFF2-40B4-BE49-F238E27FC236}">
-                <a16:creationId xmlns:a16="http://schemas.microsoft.com/office/drawing/2014/main" id="{E86488B3-6D5E-452F-A655-0C78399B0DF9}"/>
-              </a:ext>
-            </a:extLst>
-          </p:cNvPr>
-          <p:cNvSpPr>
-            <a:spLocks noGrp="1"/>
-          </p:cNvSpPr>
-          <p:nvPr>
-            <p:ph type="body" idx="1"/>
-          </p:nvPr>
-        </p:nvSpPr>
-        <p:spPr bwMode="auto">
-          <a:noFill/>
-          <a:extLst>
-            <a:ext uri="{909E8E84-426E-40DD-AFC4-6F175D3DCCD1}">
-              <a14:hiddenFill xmlns:a14="http://schemas.microsoft.com/office/drawing/2010/main">
-                <a:solidFill>
-                  <a:srgbClr val="FFFFFF"/>
-                </a:solidFill>
-              </a14:hiddenFill>
-            </a:ext>
-            <a:ext uri="{91240B29-F687-4F45-9708-019B960494DF}">
-              <a14:hiddenLine xmlns:a14="http://schemas.microsoft.com/office/drawing/2010/main" w="9525">
-                <a:solidFill>
-                  <a:srgbClr val="000000"/>
-                </a:solidFill>
-                <a:miter lim="800000"/>
-                <a:headEnd/>
-                <a:tailEnd/>
-              </a14:hiddenLine>
-            </a:ext>
-          </a:extLst>
-        </p:spPr>
-        <p:txBody>
-          <a:bodyPr wrap="square" numCol="1" anchor="t" anchorCtr="0" compatLnSpc="1">
-            <a:prstTxWarp prst="textNoShape">
-              <a:avLst/>
-            </a:prstTxWarp>
-          </a:bodyPr>
-          <a:lstStyle/>
-          <a:p>
-            <a:pPr eaLnBrk="1" hangingPunct="1">
-              <a:spcBef>
-                <a:spcPct val="0"/>
-              </a:spcBef>
-            </a:pPr>
-            <a:endParaRPr lang="es-CO" altLang="es-CO"/>
-          </a:p>
-        </p:txBody>
-      </p:sp>
-      <p:sp>
-        <p:nvSpPr>
-          <p:cNvPr id="6148" name="3 Marcador de número de diapositiva">
-            <a:extLst>
-              <a:ext uri="{FF2B5EF4-FFF2-40B4-BE49-F238E27FC236}">
-                <a16:creationId xmlns:a16="http://schemas.microsoft.com/office/drawing/2014/main" id="{7A241DB1-0FDE-44DC-B1DD-D836F28027BA}"/>
-              </a:ext>
-            </a:extLst>
-          </p:cNvPr>
-          <p:cNvSpPr>
-            <a:spLocks noGrp="1" noChangeArrowheads="1"/>
-          </p:cNvSpPr>
-          <p:nvPr>
-            <p:ph type="sldNum" sz="quarter" idx="5"/>
-          </p:nvPr>
-        </p:nvSpPr>
-        <p:spPr bwMode="auto">
-          <a:noFill/>
-          <a:extLst>
-            <a:ext uri="{909E8E84-426E-40DD-AFC4-6F175D3DCCD1}">
-              <a14:hiddenFill xmlns:a14="http://schemas.microsoft.com/office/drawing/2010/main">
-                <a:solidFill>
-                  <a:srgbClr val="FFFFFF"/>
-                </a:solidFill>
-              </a14:hiddenFill>
-            </a:ext>
-            <a:ext uri="{91240B29-F687-4F45-9708-019B960494DF}">
-              <a14:hiddenLine xmlns:a14="http://schemas.microsoft.com/office/drawing/2010/main" w="9525">
-                <a:solidFill>
-                  <a:srgbClr val="000000"/>
-                </a:solidFill>
-                <a:miter lim="800000"/>
-                <a:headEnd/>
-                <a:tailEnd/>
-              </a14:hiddenLine>
-            </a:ext>
-          </a:extLst>
-        </p:spPr>
-        <p:txBody>
-          <a:bodyPr/>
-          <a:lstStyle>
-            <a:lvl1pPr>
-              <a:spcBef>
-                <a:spcPct val="30000"/>
-              </a:spcBef>
-              <a:defRPr sz="1200">
-                <a:solidFill>
-                  <a:schemeClr val="tx1"/>
-                </a:solidFill>
-                <a:latin typeface="Calibri" panose="020F0502020204030204" pitchFamily="34" charset="0"/>
-              </a:defRPr>
-            </a:lvl1pPr>
-            <a:lvl2pPr marL="742950" indent="-285750">
-              <a:spcBef>
-                <a:spcPct val="30000"/>
-              </a:spcBef>
-              <a:defRPr sz="1200">
-                <a:solidFill>
-                  <a:schemeClr val="tx1"/>
-                </a:solidFill>
-                <a:latin typeface="Calibri" panose="020F0502020204030204" pitchFamily="34" charset="0"/>
-              </a:defRPr>
-            </a:lvl2pPr>
-            <a:lvl3pPr marL="1143000" indent="-228600">
-              <a:spcBef>
-                <a:spcPct val="30000"/>
-              </a:spcBef>
-              <a:defRPr sz="1200">
-                <a:solidFill>
-                  <a:schemeClr val="tx1"/>
-                </a:solidFill>
-                <a:latin typeface="Calibri" panose="020F0502020204030204" pitchFamily="34" charset="0"/>
-              </a:defRPr>
-            </a:lvl3pPr>
-            <a:lvl4pPr marL="1600200" indent="-228600">
-              <a:spcBef>
-                <a:spcPct val="30000"/>
-              </a:spcBef>
-              <a:defRPr sz="1200">
-                <a:solidFill>
-                  <a:schemeClr val="tx1"/>
-                </a:solidFill>
-                <a:latin typeface="Calibri" panose="020F0502020204030204" pitchFamily="34" charset="0"/>
-              </a:defRPr>
-            </a:lvl4pPr>
-            <a:lvl5pPr marL="2057400" indent="-228600">
-              <a:spcBef>
-                <a:spcPct val="30000"/>
-              </a:spcBef>
-              <a:defRPr sz="1200">
-                <a:solidFill>
-                  <a:schemeClr val="tx1"/>
-                </a:solidFill>
-                <a:latin typeface="Calibri" panose="020F0502020204030204" pitchFamily="34" charset="0"/>
-              </a:defRPr>
-            </a:lvl5pPr>
-            <a:lvl6pPr marL="2514600" indent="-228600" eaLnBrk="0" fontAlgn="base" hangingPunct="0">
-              <a:spcBef>
-                <a:spcPct val="30000"/>
-              </a:spcBef>
-              <a:spcAft>
-                <a:spcPct val="0"/>
-              </a:spcAft>
-              <a:defRPr sz="1200">
-                <a:solidFill>
-                  <a:schemeClr val="tx1"/>
-                </a:solidFill>
-                <a:latin typeface="Calibri" panose="020F0502020204030204" pitchFamily="34" charset="0"/>
-              </a:defRPr>
-            </a:lvl6pPr>
-            <a:lvl7pPr marL="2971800" indent="-228600" eaLnBrk="0" fontAlgn="base" hangingPunct="0">
-              <a:spcBef>
-                <a:spcPct val="30000"/>
-              </a:spcBef>
-              <a:spcAft>
-                <a:spcPct val="0"/>
-              </a:spcAft>
-              <a:defRPr sz="1200">
-                <a:solidFill>
-                  <a:schemeClr val="tx1"/>
-                </a:solidFill>
-                <a:latin typeface="Calibri" panose="020F0502020204030204" pitchFamily="34" charset="0"/>
-              </a:defRPr>
-            </a:lvl7pPr>
-            <a:lvl8pPr marL="3429000" indent="-228600" eaLnBrk="0" fontAlgn="base" hangingPunct="0">
-              <a:spcBef>
-                <a:spcPct val="30000"/>
-              </a:spcBef>
-              <a:spcAft>
-                <a:spcPct val="0"/>
-              </a:spcAft>
-              <a:defRPr sz="1200">
-                <a:solidFill>
-                  <a:schemeClr val="tx1"/>
-                </a:solidFill>
-                <a:latin typeface="Calibri" panose="020F0502020204030204" pitchFamily="34" charset="0"/>
-              </a:defRPr>
-            </a:lvl8pPr>
-            <a:lvl9pPr marL="3886200" indent="-228600" eaLnBrk="0" fontAlgn="base" hangingPunct="0">
-              <a:spcBef>
-                <a:spcPct val="30000"/>
-              </a:spcBef>
-              <a:spcAft>
-                <a:spcPct val="0"/>
-              </a:spcAft>
-              <a:defRPr sz="1200">
-                <a:solidFill>
-                  <a:schemeClr val="tx1"/>
-                </a:solidFill>
-                <a:latin typeface="Calibri" panose="020F0502020204030204" pitchFamily="34" charset="0"/>
-              </a:defRPr>
-            </a:lvl9pPr>
-          </a:lstStyle>
-          <a:p>
-            <a:pPr>
-              <a:spcBef>
-                <a:spcPct val="0"/>
-              </a:spcBef>
-            </a:pPr>
-            <a:fld id="{28E7ECF6-8A67-4CA6-BDA2-9506B8AC7939}" type="slidenum">
-              <a:rPr lang="es-CO" altLang="es-CO" smtClean="0"/>
-              <a:pPr>
-                <a:spcBef>
-                  <a:spcPct val="0"/>
-                </a:spcBef>
-              </a:pPr>
-              <a:t>11</a:t>
-            </a:fld>
-            <a:endParaRPr lang="es-CO" altLang="es-CO"/>
-          </a:p>
-        </p:txBody>
-      </p:sp>
-    </p:spTree>
-    <p:extLst>
-      <p:ext uri="{BB962C8B-B14F-4D97-AF65-F5344CB8AC3E}">
-        <p14:creationId xmlns:p14="http://schemas.microsoft.com/office/powerpoint/2010/main" val="3149022696"/>
-      </p:ext>
-    </p:extLst>
-  </p:cSld>
-  <p:clrMapOvr>
-    <a:masterClrMapping/>
-  </p:clrMapOvr>
-</p:notes>
-</file>
-
-<file path=ppt/notesSlides/notesSlide12.xml><?xml version="1.0" encoding="utf-8"?>
-<p:notes xmlns:a="http://schemas.openxmlformats.org/drawingml/2006/main" xmlns:r="http://schemas.openxmlformats.org/officeDocument/2006/relationships" xmlns:p="http://schemas.openxmlformats.org/presentationml/2006/main">
-  <p:cSld>
-    <p:spTree>
-      <p:nvGrpSpPr>
-        <p:cNvPr id="1" name=""/>
-        <p:cNvGrpSpPr/>
-        <p:nvPr/>
-      </p:nvGrpSpPr>
-      <p:grpSpPr>
-        <a:xfrm>
-          <a:off x="0" y="0"/>
-          <a:ext cx="0" cy="0"/>
-          <a:chOff x="0" y="0"/>
-          <a:chExt cx="0" cy="0"/>
-        </a:xfrm>
-      </p:grpSpPr>
-      <p:sp>
-        <p:nvSpPr>
-          <p:cNvPr id="6146" name="1 Marcador de imagen de diapositiva">
-            <a:extLst>
-              <a:ext uri="{FF2B5EF4-FFF2-40B4-BE49-F238E27FC236}">
-                <a16:creationId xmlns:a16="http://schemas.microsoft.com/office/drawing/2014/main" id="{78D3C7C4-FFB3-42B6-A4B0-ED4A84AF8C2A}"/>
-              </a:ext>
-            </a:extLst>
-          </p:cNvPr>
-          <p:cNvSpPr>
-            <a:spLocks noGrp="1" noRot="1" noChangeAspect="1" noTextEdit="1"/>
-          </p:cNvSpPr>
-          <p:nvPr>
-            <p:ph type="sldImg"/>
-          </p:nvPr>
-        </p:nvSpPr>
-        <p:spPr bwMode="auto">
-          <a:noFill/>
-          <a:ln>
-            <a:solidFill>
-              <a:srgbClr val="000000"/>
-            </a:solidFill>
-            <a:miter lim="800000"/>
-            <a:headEnd/>
-            <a:tailEnd/>
-          </a:ln>
-          <a:extLst>
-            <a:ext uri="{909E8E84-426E-40DD-AFC4-6F175D3DCCD1}">
-              <a14:hiddenFill xmlns:a14="http://schemas.microsoft.com/office/drawing/2010/main">
-                <a:solidFill>
-                  <a:srgbClr val="FFFFFF"/>
-                </a:solidFill>
-              </a14:hiddenFill>
-            </a:ext>
-          </a:extLst>
-        </p:spPr>
-      </p:sp>
-      <p:sp>
-        <p:nvSpPr>
-          <p:cNvPr id="6147" name="2 Marcador de notas">
-            <a:extLst>
-              <a:ext uri="{FF2B5EF4-FFF2-40B4-BE49-F238E27FC236}">
-                <a16:creationId xmlns:a16="http://schemas.microsoft.com/office/drawing/2014/main" id="{E86488B3-6D5E-452F-A655-0C78399B0DF9}"/>
-              </a:ext>
-            </a:extLst>
-          </p:cNvPr>
-          <p:cNvSpPr>
-            <a:spLocks noGrp="1"/>
-          </p:cNvSpPr>
-          <p:nvPr>
-            <p:ph type="body" idx="1"/>
-          </p:nvPr>
-        </p:nvSpPr>
-        <p:spPr bwMode="auto">
-          <a:noFill/>
-          <a:extLst>
-            <a:ext uri="{909E8E84-426E-40DD-AFC4-6F175D3DCCD1}">
-              <a14:hiddenFill xmlns:a14="http://schemas.microsoft.com/office/drawing/2010/main">
-                <a:solidFill>
-                  <a:srgbClr val="FFFFFF"/>
-                </a:solidFill>
-              </a14:hiddenFill>
-            </a:ext>
-            <a:ext uri="{91240B29-F687-4F45-9708-019B960494DF}">
-              <a14:hiddenLine xmlns:a14="http://schemas.microsoft.com/office/drawing/2010/main" w="9525">
-                <a:solidFill>
-                  <a:srgbClr val="000000"/>
-                </a:solidFill>
-                <a:miter lim="800000"/>
-                <a:headEnd/>
-                <a:tailEnd/>
-              </a14:hiddenLine>
-            </a:ext>
-          </a:extLst>
-        </p:spPr>
-        <p:txBody>
-          <a:bodyPr wrap="square" numCol="1" anchor="t" anchorCtr="0" compatLnSpc="1">
-            <a:prstTxWarp prst="textNoShape">
-              <a:avLst/>
-            </a:prstTxWarp>
-          </a:bodyPr>
-          <a:lstStyle/>
-          <a:p>
-            <a:pPr eaLnBrk="1" hangingPunct="1">
-              <a:spcBef>
-                <a:spcPct val="0"/>
-              </a:spcBef>
-            </a:pPr>
-            <a:endParaRPr lang="es-CO" altLang="es-CO"/>
-          </a:p>
-        </p:txBody>
-      </p:sp>
-      <p:sp>
-        <p:nvSpPr>
-          <p:cNvPr id="6148" name="3 Marcador de número de diapositiva">
-            <a:extLst>
-              <a:ext uri="{FF2B5EF4-FFF2-40B4-BE49-F238E27FC236}">
-                <a16:creationId xmlns:a16="http://schemas.microsoft.com/office/drawing/2014/main" id="{7A241DB1-0FDE-44DC-B1DD-D836F28027BA}"/>
-              </a:ext>
-            </a:extLst>
-          </p:cNvPr>
-          <p:cNvSpPr>
-            <a:spLocks noGrp="1" noChangeArrowheads="1"/>
-          </p:cNvSpPr>
-          <p:nvPr>
-            <p:ph type="sldNum" sz="quarter" idx="5"/>
-          </p:nvPr>
-        </p:nvSpPr>
-        <p:spPr bwMode="auto">
-          <a:noFill/>
-          <a:extLst>
-            <a:ext uri="{909E8E84-426E-40DD-AFC4-6F175D3DCCD1}">
-              <a14:hiddenFill xmlns:a14="http://schemas.microsoft.com/office/drawing/2010/main">
-                <a:solidFill>
-                  <a:srgbClr val="FFFFFF"/>
-                </a:solidFill>
-              </a14:hiddenFill>
-            </a:ext>
-            <a:ext uri="{91240B29-F687-4F45-9708-019B960494DF}">
-              <a14:hiddenLine xmlns:a14="http://schemas.microsoft.com/office/drawing/2010/main" w="9525">
-                <a:solidFill>
-                  <a:srgbClr val="000000"/>
-                </a:solidFill>
-                <a:miter lim="800000"/>
-                <a:headEnd/>
-                <a:tailEnd/>
-              </a14:hiddenLine>
-            </a:ext>
-          </a:extLst>
-        </p:spPr>
-        <p:txBody>
-          <a:bodyPr/>
-          <a:lstStyle>
-            <a:lvl1pPr>
-              <a:spcBef>
-                <a:spcPct val="30000"/>
-              </a:spcBef>
-              <a:defRPr sz="1200">
-                <a:solidFill>
-                  <a:schemeClr val="tx1"/>
-                </a:solidFill>
-                <a:latin typeface="Calibri" panose="020F0502020204030204" pitchFamily="34" charset="0"/>
-              </a:defRPr>
-            </a:lvl1pPr>
-            <a:lvl2pPr marL="742950" indent="-285750">
-              <a:spcBef>
-                <a:spcPct val="30000"/>
-              </a:spcBef>
-              <a:defRPr sz="1200">
-                <a:solidFill>
-                  <a:schemeClr val="tx1"/>
-                </a:solidFill>
-                <a:latin typeface="Calibri" panose="020F0502020204030204" pitchFamily="34" charset="0"/>
-              </a:defRPr>
-            </a:lvl2pPr>
-            <a:lvl3pPr marL="1143000" indent="-228600">
-              <a:spcBef>
-                <a:spcPct val="30000"/>
-              </a:spcBef>
-              <a:defRPr sz="1200">
-                <a:solidFill>
-                  <a:schemeClr val="tx1"/>
-                </a:solidFill>
-                <a:latin typeface="Calibri" panose="020F0502020204030204" pitchFamily="34" charset="0"/>
-              </a:defRPr>
-            </a:lvl3pPr>
-            <a:lvl4pPr marL="1600200" indent="-228600">
-              <a:spcBef>
-                <a:spcPct val="30000"/>
-              </a:spcBef>
-              <a:defRPr sz="1200">
-                <a:solidFill>
-                  <a:schemeClr val="tx1"/>
-                </a:solidFill>
-                <a:latin typeface="Calibri" panose="020F0502020204030204" pitchFamily="34" charset="0"/>
-              </a:defRPr>
-            </a:lvl4pPr>
-            <a:lvl5pPr marL="2057400" indent="-228600">
-              <a:spcBef>
-                <a:spcPct val="30000"/>
-              </a:spcBef>
-              <a:defRPr sz="1200">
-                <a:solidFill>
-                  <a:schemeClr val="tx1"/>
-                </a:solidFill>
-                <a:latin typeface="Calibri" panose="020F0502020204030204" pitchFamily="34" charset="0"/>
-              </a:defRPr>
-            </a:lvl5pPr>
-            <a:lvl6pPr marL="2514600" indent="-228600" eaLnBrk="0" fontAlgn="base" hangingPunct="0">
-              <a:spcBef>
-                <a:spcPct val="30000"/>
-              </a:spcBef>
-              <a:spcAft>
-                <a:spcPct val="0"/>
-              </a:spcAft>
-              <a:defRPr sz="1200">
-                <a:solidFill>
-                  <a:schemeClr val="tx1"/>
-                </a:solidFill>
-                <a:latin typeface="Calibri" panose="020F0502020204030204" pitchFamily="34" charset="0"/>
-              </a:defRPr>
-            </a:lvl6pPr>
-            <a:lvl7pPr marL="2971800" indent="-228600" eaLnBrk="0" fontAlgn="base" hangingPunct="0">
-              <a:spcBef>
-                <a:spcPct val="30000"/>
-              </a:spcBef>
-              <a:spcAft>
-                <a:spcPct val="0"/>
-              </a:spcAft>
-              <a:defRPr sz="1200">
-                <a:solidFill>
-                  <a:schemeClr val="tx1"/>
-                </a:solidFill>
-                <a:latin typeface="Calibri" panose="020F0502020204030204" pitchFamily="34" charset="0"/>
-              </a:defRPr>
-            </a:lvl7pPr>
-            <a:lvl8pPr marL="3429000" indent="-228600" eaLnBrk="0" fontAlgn="base" hangingPunct="0">
-              <a:spcBef>
-                <a:spcPct val="30000"/>
-              </a:spcBef>
-              <a:spcAft>
-                <a:spcPct val="0"/>
-              </a:spcAft>
-              <a:defRPr sz="1200">
-                <a:solidFill>
-                  <a:schemeClr val="tx1"/>
-                </a:solidFill>
-                <a:latin typeface="Calibri" panose="020F0502020204030204" pitchFamily="34" charset="0"/>
-              </a:defRPr>
-            </a:lvl8pPr>
-            <a:lvl9pPr marL="3886200" indent="-228600" eaLnBrk="0" fontAlgn="base" hangingPunct="0">
-              <a:spcBef>
-                <a:spcPct val="30000"/>
-              </a:spcBef>
-              <a:spcAft>
-                <a:spcPct val="0"/>
-              </a:spcAft>
-              <a:defRPr sz="1200">
-                <a:solidFill>
-                  <a:schemeClr val="tx1"/>
-                </a:solidFill>
-                <a:latin typeface="Calibri" panose="020F0502020204030204" pitchFamily="34" charset="0"/>
-              </a:defRPr>
-            </a:lvl9pPr>
-          </a:lstStyle>
-          <a:p>
-            <a:pPr>
-              <a:spcBef>
-                <a:spcPct val="0"/>
-              </a:spcBef>
-            </a:pPr>
-            <a:fld id="{28E7ECF6-8A67-4CA6-BDA2-9506B8AC7939}" type="slidenum">
-              <a:rPr lang="es-CO" altLang="es-CO" smtClean="0"/>
-              <a:pPr>
-                <a:spcBef>
-                  <a:spcPct val="0"/>
-                </a:spcBef>
-              </a:pPr>
-              <a:t>12</a:t>
-            </a:fld>
-            <a:endParaRPr lang="es-CO" altLang="es-CO"/>
-          </a:p>
-        </p:txBody>
-      </p:sp>
-    </p:spTree>
-    <p:extLst>
-      <p:ext uri="{BB962C8B-B14F-4D97-AF65-F5344CB8AC3E}">
-        <p14:creationId xmlns:p14="http://schemas.microsoft.com/office/powerpoint/2010/main" val="74664390"/>
-      </p:ext>
-    </p:extLst>
-  </p:cSld>
-  <p:clrMapOvr>
-    <a:masterClrMapping/>
-  </p:clrMapOvr>
-</p:notes>
-</file>
-
 <file path=ppt/notesSlides/notesSlide2.xml><?xml version="1.0" encoding="utf-8"?>
 <p:notes xmlns:a="http://schemas.openxmlformats.org/drawingml/2006/main" xmlns:r="http://schemas.openxmlformats.org/officeDocument/2006/relationships" xmlns:p="http://schemas.openxmlformats.org/presentationml/2006/main">
   <p:cSld>
@@ -11637,2086 +10749,6 @@
         </p:spPr>
       </p:pic>
     </p:spTree>
-  </p:cSld>
-  <p:clrMapOvr>
-    <a:masterClrMapping/>
-  </p:clrMapOvr>
-</p:sld>
-</file>
-
-<file path=ppt/slides/slide10.xml><?xml version="1.0" encoding="utf-8"?>
-<p:sld xmlns:a="http://schemas.openxmlformats.org/drawingml/2006/main" xmlns:r="http://schemas.openxmlformats.org/officeDocument/2006/relationships" xmlns:p="http://schemas.openxmlformats.org/presentationml/2006/main">
-  <p:cSld>
-    <p:spTree>
-      <p:nvGrpSpPr>
-        <p:cNvPr id="1" name=""/>
-        <p:cNvGrpSpPr/>
-        <p:nvPr/>
-      </p:nvGrpSpPr>
-      <p:grpSpPr>
-        <a:xfrm>
-          <a:off x="0" y="0"/>
-          <a:ext cx="0" cy="0"/>
-          <a:chOff x="0" y="0"/>
-          <a:chExt cx="0" cy="0"/>
-        </a:xfrm>
-      </p:grpSpPr>
-      <p:sp>
-        <p:nvSpPr>
-          <p:cNvPr id="5122" name="1 Título">
-            <a:extLst>
-              <a:ext uri="{FF2B5EF4-FFF2-40B4-BE49-F238E27FC236}">
-                <a16:creationId xmlns:a16="http://schemas.microsoft.com/office/drawing/2014/main" id="{612B5792-076C-452D-8592-DDADCC263C58}"/>
-              </a:ext>
-            </a:extLst>
-          </p:cNvPr>
-          <p:cNvSpPr>
-            <a:spLocks noGrp="1"/>
-          </p:cNvSpPr>
-          <p:nvPr>
-            <p:ph type="ctrTitle"/>
-          </p:nvPr>
-        </p:nvSpPr>
-        <p:spPr>
-          <a:xfrm>
-            <a:off x="0" y="-28575"/>
-            <a:ext cx="779463" cy="720725"/>
-          </a:xfrm>
-        </p:spPr>
-        <p:txBody>
-          <a:bodyPr/>
-          <a:lstStyle/>
-          <a:p>
-            <a:pPr algn="ctr" eaLnBrk="1" hangingPunct="1"/>
-            <a:r>
-              <a:rPr lang="es-CO" altLang="es-CO" sz="3600" dirty="0"/>
-              <a:t>10</a:t>
-            </a:r>
-          </a:p>
-        </p:txBody>
-      </p:sp>
-      <p:sp>
-        <p:nvSpPr>
-          <p:cNvPr id="10" name="2 Subtítulo">
-            <a:extLst>
-              <a:ext uri="{FF2B5EF4-FFF2-40B4-BE49-F238E27FC236}">
-                <a16:creationId xmlns:a16="http://schemas.microsoft.com/office/drawing/2014/main" id="{0D52910C-C7FF-51AD-9B9D-1A390D5FFE1B}"/>
-              </a:ext>
-            </a:extLst>
-          </p:cNvPr>
-          <p:cNvSpPr txBox="1">
-            <a:spLocks/>
-          </p:cNvSpPr>
-          <p:nvPr/>
-        </p:nvSpPr>
-        <p:spPr bwMode="auto">
-          <a:xfrm>
-            <a:off x="2743200" y="192087"/>
-            <a:ext cx="6400800" cy="500063"/>
-          </a:xfrm>
-          <a:prstGeom prst="rect">
-            <a:avLst/>
-          </a:prstGeom>
-          <a:noFill/>
-          <a:ln>
-            <a:noFill/>
-          </a:ln>
-          <a:extLst>
-            <a:ext uri="{909E8E84-426E-40DD-AFC4-6F175D3DCCD1}">
-              <a14:hiddenFill xmlns:a14="http://schemas.microsoft.com/office/drawing/2010/main">
-                <a:solidFill>
-                  <a:srgbClr val="FFFFFF"/>
-                </a:solidFill>
-              </a14:hiddenFill>
-            </a:ext>
-            <a:ext uri="{91240B29-F687-4F45-9708-019B960494DF}">
-              <a14:hiddenLine xmlns:a14="http://schemas.microsoft.com/office/drawing/2010/main" w="9525">
-                <a:solidFill>
-                  <a:srgbClr val="000000"/>
-                </a:solidFill>
-                <a:miter lim="800000"/>
-                <a:headEnd/>
-                <a:tailEnd/>
-              </a14:hiddenLine>
-            </a:ext>
-          </a:extLst>
-        </p:spPr>
-        <p:txBody>
-          <a:bodyPr vert="horz" wrap="square" lIns="91440" tIns="45720" rIns="91440" bIns="45720" numCol="1" rtlCol="0" anchor="t" anchorCtr="0" compatLnSpc="1">
-            <a:prstTxWarp prst="textNoShape">
-              <a:avLst/>
-            </a:prstTxWarp>
-            <a:noAutofit/>
-          </a:bodyPr>
-          <a:lstStyle>
-            <a:lvl1pPr marL="342900" indent="-342900" algn="l" rtl="0" eaLnBrk="0" fontAlgn="base" hangingPunct="0">
-              <a:spcBef>
-                <a:spcPct val="20000"/>
-              </a:spcBef>
-              <a:spcAft>
-                <a:spcPct val="0"/>
-              </a:spcAft>
-              <a:buFont typeface="Arial" panose="020B0604020202020204" pitchFamily="34" charset="0"/>
-              <a:buChar char="•"/>
-              <a:defRPr sz="3200" kern="1200">
-                <a:solidFill>
-                  <a:schemeClr val="tx1"/>
-                </a:solidFill>
-                <a:latin typeface="Arial" pitchFamily="34" charset="0"/>
-                <a:ea typeface="+mn-ea"/>
-                <a:cs typeface="Arial" pitchFamily="34" charset="0"/>
-              </a:defRPr>
-            </a:lvl1pPr>
-            <a:lvl2pPr marL="742950" indent="-285750" algn="l" rtl="0" eaLnBrk="0" fontAlgn="base" hangingPunct="0">
-              <a:spcBef>
-                <a:spcPct val="20000"/>
-              </a:spcBef>
-              <a:spcAft>
-                <a:spcPct val="0"/>
-              </a:spcAft>
-              <a:buFont typeface="Arial" panose="020B0604020202020204" pitchFamily="34" charset="0"/>
-              <a:buChar char="–"/>
-              <a:defRPr sz="2800" kern="1200">
-                <a:solidFill>
-                  <a:schemeClr val="tx1"/>
-                </a:solidFill>
-                <a:latin typeface="Arial" pitchFamily="34" charset="0"/>
-                <a:ea typeface="+mn-ea"/>
-                <a:cs typeface="Arial" pitchFamily="34" charset="0"/>
-              </a:defRPr>
-            </a:lvl2pPr>
-            <a:lvl3pPr marL="1143000" indent="-228600" algn="l" rtl="0" eaLnBrk="0" fontAlgn="base" hangingPunct="0">
-              <a:spcBef>
-                <a:spcPct val="20000"/>
-              </a:spcBef>
-              <a:spcAft>
-                <a:spcPct val="0"/>
-              </a:spcAft>
-              <a:buFont typeface="Arial" panose="020B0604020202020204" pitchFamily="34" charset="0"/>
-              <a:buChar char="•"/>
-              <a:defRPr sz="2400" kern="1200">
-                <a:solidFill>
-                  <a:schemeClr val="tx1"/>
-                </a:solidFill>
-                <a:latin typeface="Arial" pitchFamily="34" charset="0"/>
-                <a:ea typeface="+mn-ea"/>
-                <a:cs typeface="Arial" pitchFamily="34" charset="0"/>
-              </a:defRPr>
-            </a:lvl3pPr>
-            <a:lvl4pPr marL="1600200" indent="-228600" algn="l" rtl="0" eaLnBrk="0" fontAlgn="base" hangingPunct="0">
-              <a:spcBef>
-                <a:spcPct val="20000"/>
-              </a:spcBef>
-              <a:spcAft>
-                <a:spcPct val="0"/>
-              </a:spcAft>
-              <a:buFont typeface="Arial" panose="020B0604020202020204" pitchFamily="34" charset="0"/>
-              <a:buChar char="–"/>
-              <a:defRPr sz="2000" kern="1200">
-                <a:solidFill>
-                  <a:schemeClr val="tx1"/>
-                </a:solidFill>
-                <a:latin typeface="Arial" pitchFamily="34" charset="0"/>
-                <a:ea typeface="+mn-ea"/>
-                <a:cs typeface="Arial" pitchFamily="34" charset="0"/>
-              </a:defRPr>
-            </a:lvl4pPr>
-            <a:lvl5pPr marL="2057400" indent="-228600" algn="l" rtl="0" eaLnBrk="0" fontAlgn="base" hangingPunct="0">
-              <a:spcBef>
-                <a:spcPct val="20000"/>
-              </a:spcBef>
-              <a:spcAft>
-                <a:spcPct val="0"/>
-              </a:spcAft>
-              <a:buFont typeface="Arial" panose="020B0604020202020204" pitchFamily="34" charset="0"/>
-              <a:buChar char="»"/>
-              <a:defRPr sz="2000" kern="1200">
-                <a:solidFill>
-                  <a:schemeClr val="tx1"/>
-                </a:solidFill>
-                <a:latin typeface="Arial" pitchFamily="34" charset="0"/>
-                <a:ea typeface="+mn-ea"/>
-                <a:cs typeface="Arial" pitchFamily="34" charset="0"/>
-              </a:defRPr>
-            </a:lvl5pPr>
-            <a:lvl6pPr marL="2514600" indent="-228600" algn="l" defTabSz="914400" rtl="0" eaLnBrk="1" latinLnBrk="0" hangingPunct="1">
-              <a:spcBef>
-                <a:spcPct val="20000"/>
-              </a:spcBef>
-              <a:buFont typeface="Arial" pitchFamily="34" charset="0"/>
-              <a:buChar char="•"/>
-              <a:defRPr sz="2000" kern="1200">
-                <a:solidFill>
-                  <a:schemeClr val="tx1"/>
-                </a:solidFill>
-                <a:latin typeface="+mn-lt"/>
-                <a:ea typeface="+mn-ea"/>
-                <a:cs typeface="+mn-cs"/>
-              </a:defRPr>
-            </a:lvl6pPr>
-            <a:lvl7pPr marL="2971800" indent="-228600" algn="l" defTabSz="914400" rtl="0" eaLnBrk="1" latinLnBrk="0" hangingPunct="1">
-              <a:spcBef>
-                <a:spcPct val="20000"/>
-              </a:spcBef>
-              <a:buFont typeface="Arial" pitchFamily="34" charset="0"/>
-              <a:buChar char="•"/>
-              <a:defRPr sz="2000" kern="1200">
-                <a:solidFill>
-                  <a:schemeClr val="tx1"/>
-                </a:solidFill>
-                <a:latin typeface="+mn-lt"/>
-                <a:ea typeface="+mn-ea"/>
-                <a:cs typeface="+mn-cs"/>
-              </a:defRPr>
-            </a:lvl7pPr>
-            <a:lvl8pPr marL="3429000" indent="-228600" algn="l" defTabSz="914400" rtl="0" eaLnBrk="1" latinLnBrk="0" hangingPunct="1">
-              <a:spcBef>
-                <a:spcPct val="20000"/>
-              </a:spcBef>
-              <a:buFont typeface="Arial" pitchFamily="34" charset="0"/>
-              <a:buChar char="•"/>
-              <a:defRPr sz="2000" kern="1200">
-                <a:solidFill>
-                  <a:schemeClr val="tx1"/>
-                </a:solidFill>
-                <a:latin typeface="+mn-lt"/>
-                <a:ea typeface="+mn-ea"/>
-                <a:cs typeface="+mn-cs"/>
-              </a:defRPr>
-            </a:lvl8pPr>
-            <a:lvl9pPr marL="3886200" indent="-228600" algn="l" defTabSz="914400" rtl="0" eaLnBrk="1" latinLnBrk="0" hangingPunct="1">
-              <a:spcBef>
-                <a:spcPct val="20000"/>
-              </a:spcBef>
-              <a:buFont typeface="Arial" pitchFamily="34" charset="0"/>
-              <a:buChar char="•"/>
-              <a:defRPr sz="2000" kern="1200">
-                <a:solidFill>
-                  <a:schemeClr val="tx1"/>
-                </a:solidFill>
-                <a:latin typeface="+mn-lt"/>
-                <a:ea typeface="+mn-ea"/>
-                <a:cs typeface="+mn-cs"/>
-              </a:defRPr>
-            </a:lvl9pPr>
-          </a:lstStyle>
-          <a:p>
-            <a:pPr marL="0" indent="0" algn="r" eaLnBrk="1" fontAlgn="auto" hangingPunct="1">
-              <a:spcAft>
-                <a:spcPts val="0"/>
-              </a:spcAft>
-              <a:buNone/>
-              <a:defRPr/>
-            </a:pPr>
-            <a:r>
-              <a:rPr lang="es-CO" sz="2000" b="1">
-                <a:solidFill>
-                  <a:schemeClr val="tx1">
-                    <a:lumMod val="75000"/>
-                    <a:lumOff val="25000"/>
-                  </a:schemeClr>
-                </a:solidFill>
-              </a:rPr>
-              <a:t>PROGRAMACIÓN</a:t>
-            </a:r>
-          </a:p>
-        </p:txBody>
-      </p:sp>
-      <p:pic>
-        <p:nvPicPr>
-          <p:cNvPr id="1028" name="Picture 4" descr="Programas - Intranet ETITC">
-            <a:extLst>
-              <a:ext uri="{FF2B5EF4-FFF2-40B4-BE49-F238E27FC236}">
-                <a16:creationId xmlns:a16="http://schemas.microsoft.com/office/drawing/2014/main" id="{86BA1783-B2FE-6B6A-8793-A57527FC5C00}"/>
-              </a:ext>
-            </a:extLst>
-          </p:cNvPr>
-          <p:cNvPicPr>
-            <a:picLocks noChangeAspect="1" noChangeArrowheads="1"/>
-          </p:cNvPicPr>
-          <p:nvPr/>
-        </p:nvPicPr>
-        <p:blipFill>
-          <a:blip r:embed="rId3">
-            <a:extLst>
-              <a:ext uri="{28A0092B-C50C-407E-A947-70E740481C1C}">
-                <a14:useLocalDpi xmlns:a14="http://schemas.microsoft.com/office/drawing/2010/main" val="0"/>
-              </a:ext>
-            </a:extLst>
-          </a:blip>
-          <a:srcRect/>
-          <a:stretch>
-            <a:fillRect/>
-          </a:stretch>
-        </p:blipFill>
-        <p:spPr bwMode="auto">
-          <a:xfrm>
-            <a:off x="795338" y="44758"/>
-            <a:ext cx="2483768" cy="794720"/>
-          </a:xfrm>
-          <a:prstGeom prst="rect">
-            <a:avLst/>
-          </a:prstGeom>
-          <a:noFill/>
-          <a:extLst>
-            <a:ext uri="{909E8E84-426E-40DD-AFC4-6F175D3DCCD1}">
-              <a14:hiddenFill xmlns:a14="http://schemas.microsoft.com/office/drawing/2010/main">
-                <a:solidFill>
-                  <a:srgbClr val="FFFFFF"/>
-                </a:solidFill>
-              </a14:hiddenFill>
-            </a:ext>
-          </a:extLst>
-        </p:spPr>
-      </p:pic>
-      <p:sp>
-        <p:nvSpPr>
-          <p:cNvPr id="4" name="2 Subtítulo">
-            <a:extLst>
-              <a:ext uri="{FF2B5EF4-FFF2-40B4-BE49-F238E27FC236}">
-                <a16:creationId xmlns:a16="http://schemas.microsoft.com/office/drawing/2014/main" id="{AB8B8B08-E850-1342-E835-3453EC0AD7C1}"/>
-              </a:ext>
-            </a:extLst>
-          </p:cNvPr>
-          <p:cNvSpPr txBox="1">
-            <a:spLocks/>
-          </p:cNvSpPr>
-          <p:nvPr/>
-        </p:nvSpPr>
-        <p:spPr bwMode="auto">
-          <a:xfrm>
-            <a:off x="1014760" y="5160887"/>
-            <a:ext cx="7533753" cy="500063"/>
-          </a:xfrm>
-          <a:prstGeom prst="rect">
-            <a:avLst/>
-          </a:prstGeom>
-          <a:noFill/>
-          <a:ln>
-            <a:noFill/>
-          </a:ln>
-          <a:extLst>
-            <a:ext uri="{909E8E84-426E-40DD-AFC4-6F175D3DCCD1}">
-              <a14:hiddenFill xmlns:a14="http://schemas.microsoft.com/office/drawing/2010/main">
-                <a:solidFill>
-                  <a:srgbClr val="FFFFFF"/>
-                </a:solidFill>
-              </a14:hiddenFill>
-            </a:ext>
-            <a:ext uri="{91240B29-F687-4F45-9708-019B960494DF}">
-              <a14:hiddenLine xmlns:a14="http://schemas.microsoft.com/office/drawing/2010/main" w="9525">
-                <a:solidFill>
-                  <a:srgbClr val="000000"/>
-                </a:solidFill>
-                <a:miter lim="800000"/>
-                <a:headEnd/>
-                <a:tailEnd/>
-              </a14:hiddenLine>
-            </a:ext>
-          </a:extLst>
-        </p:spPr>
-        <p:txBody>
-          <a:bodyPr vert="horz" wrap="square" lIns="91440" tIns="45720" rIns="91440" bIns="45720" numCol="1" rtlCol="0" anchor="t" anchorCtr="0" compatLnSpc="1">
-            <a:prstTxWarp prst="textNoShape">
-              <a:avLst/>
-            </a:prstTxWarp>
-            <a:noAutofit/>
-          </a:bodyPr>
-          <a:lstStyle>
-            <a:lvl1pPr marL="342900" indent="-342900" algn="l" rtl="0" eaLnBrk="0" fontAlgn="base" hangingPunct="0">
-              <a:spcBef>
-                <a:spcPct val="20000"/>
-              </a:spcBef>
-              <a:spcAft>
-                <a:spcPct val="0"/>
-              </a:spcAft>
-              <a:buFont typeface="Arial" panose="020B0604020202020204" pitchFamily="34" charset="0"/>
-              <a:buChar char="•"/>
-              <a:defRPr sz="3200" kern="1200">
-                <a:solidFill>
-                  <a:schemeClr val="tx1"/>
-                </a:solidFill>
-                <a:latin typeface="Arial" pitchFamily="34" charset="0"/>
-                <a:ea typeface="+mn-ea"/>
-                <a:cs typeface="Arial" pitchFamily="34" charset="0"/>
-              </a:defRPr>
-            </a:lvl1pPr>
-            <a:lvl2pPr marL="742950" indent="-285750" algn="l" rtl="0" eaLnBrk="0" fontAlgn="base" hangingPunct="0">
-              <a:spcBef>
-                <a:spcPct val="20000"/>
-              </a:spcBef>
-              <a:spcAft>
-                <a:spcPct val="0"/>
-              </a:spcAft>
-              <a:buFont typeface="Arial" panose="020B0604020202020204" pitchFamily="34" charset="0"/>
-              <a:buChar char="–"/>
-              <a:defRPr sz="2800" kern="1200">
-                <a:solidFill>
-                  <a:schemeClr val="tx1"/>
-                </a:solidFill>
-                <a:latin typeface="Arial" pitchFamily="34" charset="0"/>
-                <a:ea typeface="+mn-ea"/>
-                <a:cs typeface="Arial" pitchFamily="34" charset="0"/>
-              </a:defRPr>
-            </a:lvl2pPr>
-            <a:lvl3pPr marL="1143000" indent="-228600" algn="l" rtl="0" eaLnBrk="0" fontAlgn="base" hangingPunct="0">
-              <a:spcBef>
-                <a:spcPct val="20000"/>
-              </a:spcBef>
-              <a:spcAft>
-                <a:spcPct val="0"/>
-              </a:spcAft>
-              <a:buFont typeface="Arial" panose="020B0604020202020204" pitchFamily="34" charset="0"/>
-              <a:buChar char="•"/>
-              <a:defRPr sz="2400" kern="1200">
-                <a:solidFill>
-                  <a:schemeClr val="tx1"/>
-                </a:solidFill>
-                <a:latin typeface="Arial" pitchFamily="34" charset="0"/>
-                <a:ea typeface="+mn-ea"/>
-                <a:cs typeface="Arial" pitchFamily="34" charset="0"/>
-              </a:defRPr>
-            </a:lvl3pPr>
-            <a:lvl4pPr marL="1600200" indent="-228600" algn="l" rtl="0" eaLnBrk="0" fontAlgn="base" hangingPunct="0">
-              <a:spcBef>
-                <a:spcPct val="20000"/>
-              </a:spcBef>
-              <a:spcAft>
-                <a:spcPct val="0"/>
-              </a:spcAft>
-              <a:buFont typeface="Arial" panose="020B0604020202020204" pitchFamily="34" charset="0"/>
-              <a:buChar char="–"/>
-              <a:defRPr sz="2000" kern="1200">
-                <a:solidFill>
-                  <a:schemeClr val="tx1"/>
-                </a:solidFill>
-                <a:latin typeface="Arial" pitchFamily="34" charset="0"/>
-                <a:ea typeface="+mn-ea"/>
-                <a:cs typeface="Arial" pitchFamily="34" charset="0"/>
-              </a:defRPr>
-            </a:lvl4pPr>
-            <a:lvl5pPr marL="2057400" indent="-228600" algn="l" rtl="0" eaLnBrk="0" fontAlgn="base" hangingPunct="0">
-              <a:spcBef>
-                <a:spcPct val="20000"/>
-              </a:spcBef>
-              <a:spcAft>
-                <a:spcPct val="0"/>
-              </a:spcAft>
-              <a:buFont typeface="Arial" panose="020B0604020202020204" pitchFamily="34" charset="0"/>
-              <a:buChar char="»"/>
-              <a:defRPr sz="2000" kern="1200">
-                <a:solidFill>
-                  <a:schemeClr val="tx1"/>
-                </a:solidFill>
-                <a:latin typeface="Arial" pitchFamily="34" charset="0"/>
-                <a:ea typeface="+mn-ea"/>
-                <a:cs typeface="Arial" pitchFamily="34" charset="0"/>
-              </a:defRPr>
-            </a:lvl5pPr>
-            <a:lvl6pPr marL="2514600" indent="-228600" algn="l" defTabSz="914400" rtl="0" eaLnBrk="1" latinLnBrk="0" hangingPunct="1">
-              <a:spcBef>
-                <a:spcPct val="20000"/>
-              </a:spcBef>
-              <a:buFont typeface="Arial" pitchFamily="34" charset="0"/>
-              <a:buChar char="•"/>
-              <a:defRPr sz="2000" kern="1200">
-                <a:solidFill>
-                  <a:schemeClr val="tx1"/>
-                </a:solidFill>
-                <a:latin typeface="+mn-lt"/>
-                <a:ea typeface="+mn-ea"/>
-                <a:cs typeface="+mn-cs"/>
-              </a:defRPr>
-            </a:lvl6pPr>
-            <a:lvl7pPr marL="2971800" indent="-228600" algn="l" defTabSz="914400" rtl="0" eaLnBrk="1" latinLnBrk="0" hangingPunct="1">
-              <a:spcBef>
-                <a:spcPct val="20000"/>
-              </a:spcBef>
-              <a:buFont typeface="Arial" pitchFamily="34" charset="0"/>
-              <a:buChar char="•"/>
-              <a:defRPr sz="2000" kern="1200">
-                <a:solidFill>
-                  <a:schemeClr val="tx1"/>
-                </a:solidFill>
-                <a:latin typeface="+mn-lt"/>
-                <a:ea typeface="+mn-ea"/>
-                <a:cs typeface="+mn-cs"/>
-              </a:defRPr>
-            </a:lvl7pPr>
-            <a:lvl8pPr marL="3429000" indent="-228600" algn="l" defTabSz="914400" rtl="0" eaLnBrk="1" latinLnBrk="0" hangingPunct="1">
-              <a:spcBef>
-                <a:spcPct val="20000"/>
-              </a:spcBef>
-              <a:buFont typeface="Arial" pitchFamily="34" charset="0"/>
-              <a:buChar char="•"/>
-              <a:defRPr sz="2000" kern="1200">
-                <a:solidFill>
-                  <a:schemeClr val="tx1"/>
-                </a:solidFill>
-                <a:latin typeface="+mn-lt"/>
-                <a:ea typeface="+mn-ea"/>
-                <a:cs typeface="+mn-cs"/>
-              </a:defRPr>
-            </a:lvl8pPr>
-            <a:lvl9pPr marL="3886200" indent="-228600" algn="l" defTabSz="914400" rtl="0" eaLnBrk="1" latinLnBrk="0" hangingPunct="1">
-              <a:spcBef>
-                <a:spcPct val="20000"/>
-              </a:spcBef>
-              <a:buFont typeface="Arial" pitchFamily="34" charset="0"/>
-              <a:buChar char="•"/>
-              <a:defRPr sz="2000" kern="1200">
-                <a:solidFill>
-                  <a:schemeClr val="tx1"/>
-                </a:solidFill>
-                <a:latin typeface="+mn-lt"/>
-                <a:ea typeface="+mn-ea"/>
-                <a:cs typeface="+mn-cs"/>
-              </a:defRPr>
-            </a:lvl9pPr>
-          </a:lstStyle>
-          <a:p>
-            <a:pPr marL="0" indent="0" algn="r" eaLnBrk="1" fontAlgn="auto" hangingPunct="1">
-              <a:spcAft>
-                <a:spcPts val="0"/>
-              </a:spcAft>
-              <a:buNone/>
-              <a:defRPr/>
-            </a:pPr>
-            <a:r>
-              <a:rPr lang="es-CO" sz="2000" b="1">
-                <a:solidFill>
-                  <a:schemeClr val="tx1">
-                    <a:lumMod val="75000"/>
-                    <a:lumOff val="25000"/>
-                  </a:schemeClr>
-                </a:solidFill>
-              </a:rPr>
-              <a:t>CONDICIONALES</a:t>
-            </a:r>
-          </a:p>
-        </p:txBody>
-      </p:sp>
-      <p:sp>
-        <p:nvSpPr>
-          <p:cNvPr id="2" name="CuadroTexto 1">
-            <a:extLst>
-              <a:ext uri="{FF2B5EF4-FFF2-40B4-BE49-F238E27FC236}">
-                <a16:creationId xmlns:a16="http://schemas.microsoft.com/office/drawing/2014/main" id="{F42B6312-7321-A33F-CFE7-E56DC99D41C3}"/>
-              </a:ext>
-            </a:extLst>
-          </p:cNvPr>
-          <p:cNvSpPr txBox="1"/>
-          <p:nvPr/>
-        </p:nvSpPr>
-        <p:spPr>
-          <a:xfrm>
-            <a:off x="2037222" y="2348880"/>
-            <a:ext cx="4896292" cy="2585323"/>
-          </a:xfrm>
-          <a:prstGeom prst="rect">
-            <a:avLst/>
-          </a:prstGeom>
-          <a:noFill/>
-        </p:spPr>
-        <p:txBody>
-          <a:bodyPr wrap="square">
-            <a:spAutoFit/>
-          </a:bodyPr>
-          <a:lstStyle/>
-          <a:p>
-            <a:r>
-              <a:rPr lang="es-CO" dirty="0"/>
-              <a:t>¿Qué pasa si el valor de la variable es 0?</a:t>
-            </a:r>
-          </a:p>
-          <a:p>
-            <a:endParaRPr lang="es-CO" dirty="0"/>
-          </a:p>
-          <a:p>
-            <a:r>
-              <a:rPr lang="es-CO" dirty="0" err="1">
-                <a:solidFill>
-                  <a:srgbClr val="FF66FF"/>
-                </a:solidFill>
-              </a:rPr>
-              <a:t>if</a:t>
-            </a:r>
-            <a:r>
-              <a:rPr lang="es-CO" dirty="0"/>
-              <a:t> </a:t>
-            </a:r>
-            <a:r>
-              <a:rPr lang="es-CO" dirty="0">
-                <a:solidFill>
-                  <a:srgbClr val="FFC000"/>
-                </a:solidFill>
-              </a:rPr>
-              <a:t>x&gt;0</a:t>
-            </a:r>
-            <a:r>
-              <a:rPr lang="es-CO" dirty="0">
-                <a:solidFill>
-                  <a:srgbClr val="C00000"/>
-                </a:solidFill>
-              </a:rPr>
-              <a:t>:</a:t>
-            </a:r>
-          </a:p>
-          <a:p>
-            <a:r>
-              <a:rPr lang="es-CO" dirty="0">
-                <a:highlight>
-                  <a:srgbClr val="00FF00"/>
-                </a:highlight>
-              </a:rPr>
-              <a:t>   </a:t>
-            </a:r>
-            <a:r>
-              <a:rPr lang="es-CO" dirty="0" err="1">
-                <a:highlight>
-                  <a:srgbClr val="00FF00"/>
-                </a:highlight>
-              </a:rPr>
-              <a:t>print</a:t>
-            </a:r>
-            <a:r>
-              <a:rPr lang="es-CO" dirty="0">
-                <a:highlight>
-                  <a:srgbClr val="00FF00"/>
-                </a:highlight>
-              </a:rPr>
-              <a:t>(“El número es positivo”)</a:t>
-            </a:r>
-          </a:p>
-          <a:p>
-            <a:r>
-              <a:rPr lang="es-CO" dirty="0" err="1">
-                <a:solidFill>
-                  <a:srgbClr val="FF66FF"/>
-                </a:solidFill>
-              </a:rPr>
-              <a:t>else</a:t>
-            </a:r>
-            <a:r>
-              <a:rPr lang="es-CO" dirty="0">
-                <a:solidFill>
-                  <a:srgbClr val="C00000"/>
-                </a:solidFill>
-              </a:rPr>
-              <a:t>:</a:t>
-            </a:r>
-          </a:p>
-          <a:p>
-            <a:r>
-              <a:rPr lang="es-CO" dirty="0"/>
-              <a:t>    </a:t>
-            </a:r>
-            <a:r>
-              <a:rPr lang="es-CO" dirty="0" err="1">
-                <a:highlight>
-                  <a:srgbClr val="00FF00"/>
-                </a:highlight>
-              </a:rPr>
-              <a:t>print</a:t>
-            </a:r>
-            <a:r>
-              <a:rPr lang="es-CO" dirty="0">
-                <a:highlight>
-                  <a:srgbClr val="00FF00"/>
-                </a:highlight>
-              </a:rPr>
-              <a:t> (“El número no es positivo”)</a:t>
-            </a:r>
-          </a:p>
-          <a:p>
-            <a:endParaRPr lang="es-CO" dirty="0"/>
-          </a:p>
-          <a:p>
-            <a:endParaRPr lang="es-CO" dirty="0"/>
-          </a:p>
-          <a:p>
-            <a:endParaRPr lang="es-CO" dirty="0"/>
-          </a:p>
-        </p:txBody>
-      </p:sp>
-    </p:spTree>
-    <p:extLst>
-      <p:ext uri="{BB962C8B-B14F-4D97-AF65-F5344CB8AC3E}">
-        <p14:creationId xmlns:p14="http://schemas.microsoft.com/office/powerpoint/2010/main" val="2945622641"/>
-      </p:ext>
-    </p:extLst>
-  </p:cSld>
-  <p:clrMapOvr>
-    <a:masterClrMapping/>
-  </p:clrMapOvr>
-</p:sld>
-</file>
-
-<file path=ppt/slides/slide11.xml><?xml version="1.0" encoding="utf-8"?>
-<p:sld xmlns:a="http://schemas.openxmlformats.org/drawingml/2006/main" xmlns:r="http://schemas.openxmlformats.org/officeDocument/2006/relationships" xmlns:p="http://schemas.openxmlformats.org/presentationml/2006/main">
-  <p:cSld>
-    <p:spTree>
-      <p:nvGrpSpPr>
-        <p:cNvPr id="1" name=""/>
-        <p:cNvGrpSpPr/>
-        <p:nvPr/>
-      </p:nvGrpSpPr>
-      <p:grpSpPr>
-        <a:xfrm>
-          <a:off x="0" y="0"/>
-          <a:ext cx="0" cy="0"/>
-          <a:chOff x="0" y="0"/>
-          <a:chExt cx="0" cy="0"/>
-        </a:xfrm>
-      </p:grpSpPr>
-      <p:sp>
-        <p:nvSpPr>
-          <p:cNvPr id="5122" name="1 Título">
-            <a:extLst>
-              <a:ext uri="{FF2B5EF4-FFF2-40B4-BE49-F238E27FC236}">
-                <a16:creationId xmlns:a16="http://schemas.microsoft.com/office/drawing/2014/main" id="{612B5792-076C-452D-8592-DDADCC263C58}"/>
-              </a:ext>
-            </a:extLst>
-          </p:cNvPr>
-          <p:cNvSpPr>
-            <a:spLocks noGrp="1"/>
-          </p:cNvSpPr>
-          <p:nvPr>
-            <p:ph type="ctrTitle"/>
-          </p:nvPr>
-        </p:nvSpPr>
-        <p:spPr>
-          <a:xfrm>
-            <a:off x="0" y="-28575"/>
-            <a:ext cx="779463" cy="720725"/>
-          </a:xfrm>
-        </p:spPr>
-        <p:txBody>
-          <a:bodyPr/>
-          <a:lstStyle/>
-          <a:p>
-            <a:pPr algn="ctr" eaLnBrk="1" hangingPunct="1"/>
-            <a:r>
-              <a:rPr lang="es-CO" altLang="es-CO" sz="3600" dirty="0"/>
-              <a:t>11</a:t>
-            </a:r>
-          </a:p>
-        </p:txBody>
-      </p:sp>
-      <p:sp>
-        <p:nvSpPr>
-          <p:cNvPr id="10" name="2 Subtítulo">
-            <a:extLst>
-              <a:ext uri="{FF2B5EF4-FFF2-40B4-BE49-F238E27FC236}">
-                <a16:creationId xmlns:a16="http://schemas.microsoft.com/office/drawing/2014/main" id="{0D52910C-C7FF-51AD-9B9D-1A390D5FFE1B}"/>
-              </a:ext>
-            </a:extLst>
-          </p:cNvPr>
-          <p:cNvSpPr txBox="1">
-            <a:spLocks/>
-          </p:cNvSpPr>
-          <p:nvPr/>
-        </p:nvSpPr>
-        <p:spPr bwMode="auto">
-          <a:xfrm>
-            <a:off x="2743200" y="192087"/>
-            <a:ext cx="6400800" cy="500063"/>
-          </a:xfrm>
-          <a:prstGeom prst="rect">
-            <a:avLst/>
-          </a:prstGeom>
-          <a:noFill/>
-          <a:ln>
-            <a:noFill/>
-          </a:ln>
-          <a:extLst>
-            <a:ext uri="{909E8E84-426E-40DD-AFC4-6F175D3DCCD1}">
-              <a14:hiddenFill xmlns:a14="http://schemas.microsoft.com/office/drawing/2010/main">
-                <a:solidFill>
-                  <a:srgbClr val="FFFFFF"/>
-                </a:solidFill>
-              </a14:hiddenFill>
-            </a:ext>
-            <a:ext uri="{91240B29-F687-4F45-9708-019B960494DF}">
-              <a14:hiddenLine xmlns:a14="http://schemas.microsoft.com/office/drawing/2010/main" w="9525">
-                <a:solidFill>
-                  <a:srgbClr val="000000"/>
-                </a:solidFill>
-                <a:miter lim="800000"/>
-                <a:headEnd/>
-                <a:tailEnd/>
-              </a14:hiddenLine>
-            </a:ext>
-          </a:extLst>
-        </p:spPr>
-        <p:txBody>
-          <a:bodyPr vert="horz" wrap="square" lIns="91440" tIns="45720" rIns="91440" bIns="45720" numCol="1" rtlCol="0" anchor="t" anchorCtr="0" compatLnSpc="1">
-            <a:prstTxWarp prst="textNoShape">
-              <a:avLst/>
-            </a:prstTxWarp>
-            <a:noAutofit/>
-          </a:bodyPr>
-          <a:lstStyle>
-            <a:lvl1pPr marL="342900" indent="-342900" algn="l" rtl="0" eaLnBrk="0" fontAlgn="base" hangingPunct="0">
-              <a:spcBef>
-                <a:spcPct val="20000"/>
-              </a:spcBef>
-              <a:spcAft>
-                <a:spcPct val="0"/>
-              </a:spcAft>
-              <a:buFont typeface="Arial" panose="020B0604020202020204" pitchFamily="34" charset="0"/>
-              <a:buChar char="•"/>
-              <a:defRPr sz="3200" kern="1200">
-                <a:solidFill>
-                  <a:schemeClr val="tx1"/>
-                </a:solidFill>
-                <a:latin typeface="Arial" pitchFamily="34" charset="0"/>
-                <a:ea typeface="+mn-ea"/>
-                <a:cs typeface="Arial" pitchFamily="34" charset="0"/>
-              </a:defRPr>
-            </a:lvl1pPr>
-            <a:lvl2pPr marL="742950" indent="-285750" algn="l" rtl="0" eaLnBrk="0" fontAlgn="base" hangingPunct="0">
-              <a:spcBef>
-                <a:spcPct val="20000"/>
-              </a:spcBef>
-              <a:spcAft>
-                <a:spcPct val="0"/>
-              </a:spcAft>
-              <a:buFont typeface="Arial" panose="020B0604020202020204" pitchFamily="34" charset="0"/>
-              <a:buChar char="–"/>
-              <a:defRPr sz="2800" kern="1200">
-                <a:solidFill>
-                  <a:schemeClr val="tx1"/>
-                </a:solidFill>
-                <a:latin typeface="Arial" pitchFamily="34" charset="0"/>
-                <a:ea typeface="+mn-ea"/>
-                <a:cs typeface="Arial" pitchFamily="34" charset="0"/>
-              </a:defRPr>
-            </a:lvl2pPr>
-            <a:lvl3pPr marL="1143000" indent="-228600" algn="l" rtl="0" eaLnBrk="0" fontAlgn="base" hangingPunct="0">
-              <a:spcBef>
-                <a:spcPct val="20000"/>
-              </a:spcBef>
-              <a:spcAft>
-                <a:spcPct val="0"/>
-              </a:spcAft>
-              <a:buFont typeface="Arial" panose="020B0604020202020204" pitchFamily="34" charset="0"/>
-              <a:buChar char="•"/>
-              <a:defRPr sz="2400" kern="1200">
-                <a:solidFill>
-                  <a:schemeClr val="tx1"/>
-                </a:solidFill>
-                <a:latin typeface="Arial" pitchFamily="34" charset="0"/>
-                <a:ea typeface="+mn-ea"/>
-                <a:cs typeface="Arial" pitchFamily="34" charset="0"/>
-              </a:defRPr>
-            </a:lvl3pPr>
-            <a:lvl4pPr marL="1600200" indent="-228600" algn="l" rtl="0" eaLnBrk="0" fontAlgn="base" hangingPunct="0">
-              <a:spcBef>
-                <a:spcPct val="20000"/>
-              </a:spcBef>
-              <a:spcAft>
-                <a:spcPct val="0"/>
-              </a:spcAft>
-              <a:buFont typeface="Arial" panose="020B0604020202020204" pitchFamily="34" charset="0"/>
-              <a:buChar char="–"/>
-              <a:defRPr sz="2000" kern="1200">
-                <a:solidFill>
-                  <a:schemeClr val="tx1"/>
-                </a:solidFill>
-                <a:latin typeface="Arial" pitchFamily="34" charset="0"/>
-                <a:ea typeface="+mn-ea"/>
-                <a:cs typeface="Arial" pitchFamily="34" charset="0"/>
-              </a:defRPr>
-            </a:lvl4pPr>
-            <a:lvl5pPr marL="2057400" indent="-228600" algn="l" rtl="0" eaLnBrk="0" fontAlgn="base" hangingPunct="0">
-              <a:spcBef>
-                <a:spcPct val="20000"/>
-              </a:spcBef>
-              <a:spcAft>
-                <a:spcPct val="0"/>
-              </a:spcAft>
-              <a:buFont typeface="Arial" panose="020B0604020202020204" pitchFamily="34" charset="0"/>
-              <a:buChar char="»"/>
-              <a:defRPr sz="2000" kern="1200">
-                <a:solidFill>
-                  <a:schemeClr val="tx1"/>
-                </a:solidFill>
-                <a:latin typeface="Arial" pitchFamily="34" charset="0"/>
-                <a:ea typeface="+mn-ea"/>
-                <a:cs typeface="Arial" pitchFamily="34" charset="0"/>
-              </a:defRPr>
-            </a:lvl5pPr>
-            <a:lvl6pPr marL="2514600" indent="-228600" algn="l" defTabSz="914400" rtl="0" eaLnBrk="1" latinLnBrk="0" hangingPunct="1">
-              <a:spcBef>
-                <a:spcPct val="20000"/>
-              </a:spcBef>
-              <a:buFont typeface="Arial" pitchFamily="34" charset="0"/>
-              <a:buChar char="•"/>
-              <a:defRPr sz="2000" kern="1200">
-                <a:solidFill>
-                  <a:schemeClr val="tx1"/>
-                </a:solidFill>
-                <a:latin typeface="+mn-lt"/>
-                <a:ea typeface="+mn-ea"/>
-                <a:cs typeface="+mn-cs"/>
-              </a:defRPr>
-            </a:lvl6pPr>
-            <a:lvl7pPr marL="2971800" indent="-228600" algn="l" defTabSz="914400" rtl="0" eaLnBrk="1" latinLnBrk="0" hangingPunct="1">
-              <a:spcBef>
-                <a:spcPct val="20000"/>
-              </a:spcBef>
-              <a:buFont typeface="Arial" pitchFamily="34" charset="0"/>
-              <a:buChar char="•"/>
-              <a:defRPr sz="2000" kern="1200">
-                <a:solidFill>
-                  <a:schemeClr val="tx1"/>
-                </a:solidFill>
-                <a:latin typeface="+mn-lt"/>
-                <a:ea typeface="+mn-ea"/>
-                <a:cs typeface="+mn-cs"/>
-              </a:defRPr>
-            </a:lvl7pPr>
-            <a:lvl8pPr marL="3429000" indent="-228600" algn="l" defTabSz="914400" rtl="0" eaLnBrk="1" latinLnBrk="0" hangingPunct="1">
-              <a:spcBef>
-                <a:spcPct val="20000"/>
-              </a:spcBef>
-              <a:buFont typeface="Arial" pitchFamily="34" charset="0"/>
-              <a:buChar char="•"/>
-              <a:defRPr sz="2000" kern="1200">
-                <a:solidFill>
-                  <a:schemeClr val="tx1"/>
-                </a:solidFill>
-                <a:latin typeface="+mn-lt"/>
-                <a:ea typeface="+mn-ea"/>
-                <a:cs typeface="+mn-cs"/>
-              </a:defRPr>
-            </a:lvl8pPr>
-            <a:lvl9pPr marL="3886200" indent="-228600" algn="l" defTabSz="914400" rtl="0" eaLnBrk="1" latinLnBrk="0" hangingPunct="1">
-              <a:spcBef>
-                <a:spcPct val="20000"/>
-              </a:spcBef>
-              <a:buFont typeface="Arial" pitchFamily="34" charset="0"/>
-              <a:buChar char="•"/>
-              <a:defRPr sz="2000" kern="1200">
-                <a:solidFill>
-                  <a:schemeClr val="tx1"/>
-                </a:solidFill>
-                <a:latin typeface="+mn-lt"/>
-                <a:ea typeface="+mn-ea"/>
-                <a:cs typeface="+mn-cs"/>
-              </a:defRPr>
-            </a:lvl9pPr>
-          </a:lstStyle>
-          <a:p>
-            <a:pPr marL="0" indent="0" algn="r" eaLnBrk="1" fontAlgn="auto" hangingPunct="1">
-              <a:spcAft>
-                <a:spcPts val="0"/>
-              </a:spcAft>
-              <a:buNone/>
-              <a:defRPr/>
-            </a:pPr>
-            <a:r>
-              <a:rPr lang="es-CO" sz="2000" b="1">
-                <a:solidFill>
-                  <a:schemeClr val="tx1">
-                    <a:lumMod val="75000"/>
-                    <a:lumOff val="25000"/>
-                  </a:schemeClr>
-                </a:solidFill>
-              </a:rPr>
-              <a:t>PROGRAMACIÓN</a:t>
-            </a:r>
-          </a:p>
-        </p:txBody>
-      </p:sp>
-      <p:pic>
-        <p:nvPicPr>
-          <p:cNvPr id="1028" name="Picture 4" descr="Programas - Intranet ETITC">
-            <a:extLst>
-              <a:ext uri="{FF2B5EF4-FFF2-40B4-BE49-F238E27FC236}">
-                <a16:creationId xmlns:a16="http://schemas.microsoft.com/office/drawing/2014/main" id="{86BA1783-B2FE-6B6A-8793-A57527FC5C00}"/>
-              </a:ext>
-            </a:extLst>
-          </p:cNvPr>
-          <p:cNvPicPr>
-            <a:picLocks noChangeAspect="1" noChangeArrowheads="1"/>
-          </p:cNvPicPr>
-          <p:nvPr/>
-        </p:nvPicPr>
-        <p:blipFill>
-          <a:blip r:embed="rId3">
-            <a:extLst>
-              <a:ext uri="{28A0092B-C50C-407E-A947-70E740481C1C}">
-                <a14:useLocalDpi xmlns:a14="http://schemas.microsoft.com/office/drawing/2010/main" val="0"/>
-              </a:ext>
-            </a:extLst>
-          </a:blip>
-          <a:srcRect/>
-          <a:stretch>
-            <a:fillRect/>
-          </a:stretch>
-        </p:blipFill>
-        <p:spPr bwMode="auto">
-          <a:xfrm>
-            <a:off x="795338" y="44758"/>
-            <a:ext cx="2483768" cy="794720"/>
-          </a:xfrm>
-          <a:prstGeom prst="rect">
-            <a:avLst/>
-          </a:prstGeom>
-          <a:noFill/>
-          <a:extLst>
-            <a:ext uri="{909E8E84-426E-40DD-AFC4-6F175D3DCCD1}">
-              <a14:hiddenFill xmlns:a14="http://schemas.microsoft.com/office/drawing/2010/main">
-                <a:solidFill>
-                  <a:srgbClr val="FFFFFF"/>
-                </a:solidFill>
-              </a14:hiddenFill>
-            </a:ext>
-          </a:extLst>
-        </p:spPr>
-      </p:pic>
-      <p:sp>
-        <p:nvSpPr>
-          <p:cNvPr id="4" name="2 Subtítulo">
-            <a:extLst>
-              <a:ext uri="{FF2B5EF4-FFF2-40B4-BE49-F238E27FC236}">
-                <a16:creationId xmlns:a16="http://schemas.microsoft.com/office/drawing/2014/main" id="{AB8B8B08-E850-1342-E835-3453EC0AD7C1}"/>
-              </a:ext>
-            </a:extLst>
-          </p:cNvPr>
-          <p:cNvSpPr txBox="1">
-            <a:spLocks/>
-          </p:cNvSpPr>
-          <p:nvPr/>
-        </p:nvSpPr>
-        <p:spPr bwMode="auto">
-          <a:xfrm>
-            <a:off x="1817648" y="5160887"/>
-            <a:ext cx="6730865" cy="500063"/>
-          </a:xfrm>
-          <a:prstGeom prst="rect">
-            <a:avLst/>
-          </a:prstGeom>
-          <a:noFill/>
-          <a:ln>
-            <a:noFill/>
-          </a:ln>
-          <a:extLst>
-            <a:ext uri="{909E8E84-426E-40DD-AFC4-6F175D3DCCD1}">
-              <a14:hiddenFill xmlns:a14="http://schemas.microsoft.com/office/drawing/2010/main">
-                <a:solidFill>
-                  <a:srgbClr val="FFFFFF"/>
-                </a:solidFill>
-              </a14:hiddenFill>
-            </a:ext>
-            <a:ext uri="{91240B29-F687-4F45-9708-019B960494DF}">
-              <a14:hiddenLine xmlns:a14="http://schemas.microsoft.com/office/drawing/2010/main" w="9525">
-                <a:solidFill>
-                  <a:srgbClr val="000000"/>
-                </a:solidFill>
-                <a:miter lim="800000"/>
-                <a:headEnd/>
-                <a:tailEnd/>
-              </a14:hiddenLine>
-            </a:ext>
-          </a:extLst>
-        </p:spPr>
-        <p:txBody>
-          <a:bodyPr vert="horz" wrap="square" lIns="91440" tIns="45720" rIns="91440" bIns="45720" numCol="1" rtlCol="0" anchor="t" anchorCtr="0" compatLnSpc="1">
-            <a:prstTxWarp prst="textNoShape">
-              <a:avLst/>
-            </a:prstTxWarp>
-            <a:noAutofit/>
-          </a:bodyPr>
-          <a:lstStyle>
-            <a:lvl1pPr marL="342900" indent="-342900" algn="l" rtl="0" eaLnBrk="0" fontAlgn="base" hangingPunct="0">
-              <a:spcBef>
-                <a:spcPct val="20000"/>
-              </a:spcBef>
-              <a:spcAft>
-                <a:spcPct val="0"/>
-              </a:spcAft>
-              <a:buFont typeface="Arial" panose="020B0604020202020204" pitchFamily="34" charset="0"/>
-              <a:buChar char="•"/>
-              <a:defRPr sz="3200" kern="1200">
-                <a:solidFill>
-                  <a:schemeClr val="tx1"/>
-                </a:solidFill>
-                <a:latin typeface="Arial" pitchFamily="34" charset="0"/>
-                <a:ea typeface="+mn-ea"/>
-                <a:cs typeface="Arial" pitchFamily="34" charset="0"/>
-              </a:defRPr>
-            </a:lvl1pPr>
-            <a:lvl2pPr marL="742950" indent="-285750" algn="l" rtl="0" eaLnBrk="0" fontAlgn="base" hangingPunct="0">
-              <a:spcBef>
-                <a:spcPct val="20000"/>
-              </a:spcBef>
-              <a:spcAft>
-                <a:spcPct val="0"/>
-              </a:spcAft>
-              <a:buFont typeface="Arial" panose="020B0604020202020204" pitchFamily="34" charset="0"/>
-              <a:buChar char="–"/>
-              <a:defRPr sz="2800" kern="1200">
-                <a:solidFill>
-                  <a:schemeClr val="tx1"/>
-                </a:solidFill>
-                <a:latin typeface="Arial" pitchFamily="34" charset="0"/>
-                <a:ea typeface="+mn-ea"/>
-                <a:cs typeface="Arial" pitchFamily="34" charset="0"/>
-              </a:defRPr>
-            </a:lvl2pPr>
-            <a:lvl3pPr marL="1143000" indent="-228600" algn="l" rtl="0" eaLnBrk="0" fontAlgn="base" hangingPunct="0">
-              <a:spcBef>
-                <a:spcPct val="20000"/>
-              </a:spcBef>
-              <a:spcAft>
-                <a:spcPct val="0"/>
-              </a:spcAft>
-              <a:buFont typeface="Arial" panose="020B0604020202020204" pitchFamily="34" charset="0"/>
-              <a:buChar char="•"/>
-              <a:defRPr sz="2400" kern="1200">
-                <a:solidFill>
-                  <a:schemeClr val="tx1"/>
-                </a:solidFill>
-                <a:latin typeface="Arial" pitchFamily="34" charset="0"/>
-                <a:ea typeface="+mn-ea"/>
-                <a:cs typeface="Arial" pitchFamily="34" charset="0"/>
-              </a:defRPr>
-            </a:lvl3pPr>
-            <a:lvl4pPr marL="1600200" indent="-228600" algn="l" rtl="0" eaLnBrk="0" fontAlgn="base" hangingPunct="0">
-              <a:spcBef>
-                <a:spcPct val="20000"/>
-              </a:spcBef>
-              <a:spcAft>
-                <a:spcPct val="0"/>
-              </a:spcAft>
-              <a:buFont typeface="Arial" panose="020B0604020202020204" pitchFamily="34" charset="0"/>
-              <a:buChar char="–"/>
-              <a:defRPr sz="2000" kern="1200">
-                <a:solidFill>
-                  <a:schemeClr val="tx1"/>
-                </a:solidFill>
-                <a:latin typeface="Arial" pitchFamily="34" charset="0"/>
-                <a:ea typeface="+mn-ea"/>
-                <a:cs typeface="Arial" pitchFamily="34" charset="0"/>
-              </a:defRPr>
-            </a:lvl4pPr>
-            <a:lvl5pPr marL="2057400" indent="-228600" algn="l" rtl="0" eaLnBrk="0" fontAlgn="base" hangingPunct="0">
-              <a:spcBef>
-                <a:spcPct val="20000"/>
-              </a:spcBef>
-              <a:spcAft>
-                <a:spcPct val="0"/>
-              </a:spcAft>
-              <a:buFont typeface="Arial" panose="020B0604020202020204" pitchFamily="34" charset="0"/>
-              <a:buChar char="»"/>
-              <a:defRPr sz="2000" kern="1200">
-                <a:solidFill>
-                  <a:schemeClr val="tx1"/>
-                </a:solidFill>
-                <a:latin typeface="Arial" pitchFamily="34" charset="0"/>
-                <a:ea typeface="+mn-ea"/>
-                <a:cs typeface="Arial" pitchFamily="34" charset="0"/>
-              </a:defRPr>
-            </a:lvl5pPr>
-            <a:lvl6pPr marL="2514600" indent="-228600" algn="l" defTabSz="914400" rtl="0" eaLnBrk="1" latinLnBrk="0" hangingPunct="1">
-              <a:spcBef>
-                <a:spcPct val="20000"/>
-              </a:spcBef>
-              <a:buFont typeface="Arial" pitchFamily="34" charset="0"/>
-              <a:buChar char="•"/>
-              <a:defRPr sz="2000" kern="1200">
-                <a:solidFill>
-                  <a:schemeClr val="tx1"/>
-                </a:solidFill>
-                <a:latin typeface="+mn-lt"/>
-                <a:ea typeface="+mn-ea"/>
-                <a:cs typeface="+mn-cs"/>
-              </a:defRPr>
-            </a:lvl6pPr>
-            <a:lvl7pPr marL="2971800" indent="-228600" algn="l" defTabSz="914400" rtl="0" eaLnBrk="1" latinLnBrk="0" hangingPunct="1">
-              <a:spcBef>
-                <a:spcPct val="20000"/>
-              </a:spcBef>
-              <a:buFont typeface="Arial" pitchFamily="34" charset="0"/>
-              <a:buChar char="•"/>
-              <a:defRPr sz="2000" kern="1200">
-                <a:solidFill>
-                  <a:schemeClr val="tx1"/>
-                </a:solidFill>
-                <a:latin typeface="+mn-lt"/>
-                <a:ea typeface="+mn-ea"/>
-                <a:cs typeface="+mn-cs"/>
-              </a:defRPr>
-            </a:lvl7pPr>
-            <a:lvl8pPr marL="3429000" indent="-228600" algn="l" defTabSz="914400" rtl="0" eaLnBrk="1" latinLnBrk="0" hangingPunct="1">
-              <a:spcBef>
-                <a:spcPct val="20000"/>
-              </a:spcBef>
-              <a:buFont typeface="Arial" pitchFamily="34" charset="0"/>
-              <a:buChar char="•"/>
-              <a:defRPr sz="2000" kern="1200">
-                <a:solidFill>
-                  <a:schemeClr val="tx1"/>
-                </a:solidFill>
-                <a:latin typeface="+mn-lt"/>
-                <a:ea typeface="+mn-ea"/>
-                <a:cs typeface="+mn-cs"/>
-              </a:defRPr>
-            </a:lvl8pPr>
-            <a:lvl9pPr marL="3886200" indent="-228600" algn="l" defTabSz="914400" rtl="0" eaLnBrk="1" latinLnBrk="0" hangingPunct="1">
-              <a:spcBef>
-                <a:spcPct val="20000"/>
-              </a:spcBef>
-              <a:buFont typeface="Arial" pitchFamily="34" charset="0"/>
-              <a:buChar char="•"/>
-              <a:defRPr sz="2000" kern="1200">
-                <a:solidFill>
-                  <a:schemeClr val="tx1"/>
-                </a:solidFill>
-                <a:latin typeface="+mn-lt"/>
-                <a:ea typeface="+mn-ea"/>
-                <a:cs typeface="+mn-cs"/>
-              </a:defRPr>
-            </a:lvl9pPr>
-          </a:lstStyle>
-          <a:p>
-            <a:pPr marL="0" indent="0" algn="r" eaLnBrk="1" fontAlgn="auto" hangingPunct="1">
-              <a:spcAft>
-                <a:spcPts val="0"/>
-              </a:spcAft>
-              <a:buNone/>
-              <a:defRPr/>
-            </a:pPr>
-            <a:r>
-              <a:rPr lang="es-CO" sz="2000" b="1">
-                <a:solidFill>
-                  <a:schemeClr val="tx1">
-                    <a:lumMod val="75000"/>
-                    <a:lumOff val="25000"/>
-                  </a:schemeClr>
-                </a:solidFill>
-              </a:rPr>
-              <a:t>CONDICIONALES</a:t>
-            </a:r>
-          </a:p>
-        </p:txBody>
-      </p:sp>
-      <p:sp>
-        <p:nvSpPr>
-          <p:cNvPr id="5" name="CuadroTexto 4">
-            <a:extLst>
-              <a:ext uri="{FF2B5EF4-FFF2-40B4-BE49-F238E27FC236}">
-                <a16:creationId xmlns:a16="http://schemas.microsoft.com/office/drawing/2014/main" id="{0BFE988D-E0D0-BC10-5B79-0B658874D14B}"/>
-              </a:ext>
-            </a:extLst>
-          </p:cNvPr>
-          <p:cNvSpPr txBox="1"/>
-          <p:nvPr/>
-        </p:nvSpPr>
-        <p:spPr>
-          <a:xfrm>
-            <a:off x="2037222" y="2168894"/>
-            <a:ext cx="4896292" cy="2585323"/>
-          </a:xfrm>
-          <a:prstGeom prst="rect">
-            <a:avLst/>
-          </a:prstGeom>
-          <a:noFill/>
-        </p:spPr>
-        <p:txBody>
-          <a:bodyPr wrap="square">
-            <a:spAutoFit/>
-          </a:bodyPr>
-          <a:lstStyle/>
-          <a:p>
-            <a:r>
-              <a:rPr lang="es-ES" dirty="0"/>
-              <a:t>La sentencia “</a:t>
-            </a:r>
-            <a:r>
-              <a:rPr lang="es-ES" dirty="0" err="1"/>
-              <a:t>elif</a:t>
-            </a:r>
-            <a:r>
-              <a:rPr lang="es-ES" dirty="0"/>
-              <a:t>” nos servirá cuando tengamos más de 2 condiciones disjuntas</a:t>
-            </a:r>
-          </a:p>
-          <a:p>
-            <a:endParaRPr lang="es-ES" dirty="0"/>
-          </a:p>
-          <a:p>
-            <a:r>
-              <a:rPr lang="es-ES" dirty="0" err="1">
-                <a:solidFill>
-                  <a:srgbClr val="FF66FF"/>
-                </a:solidFill>
-              </a:rPr>
-              <a:t>If</a:t>
-            </a:r>
-            <a:r>
-              <a:rPr lang="es-ES" dirty="0"/>
-              <a:t> </a:t>
-            </a:r>
-            <a:r>
-              <a:rPr lang="es-ES" dirty="0">
-                <a:solidFill>
-                  <a:srgbClr val="FFC000"/>
-                </a:solidFill>
-              </a:rPr>
-              <a:t>x==0</a:t>
-            </a:r>
-            <a:r>
-              <a:rPr lang="es-ES" dirty="0">
-                <a:solidFill>
-                  <a:srgbClr val="C00000"/>
-                </a:solidFill>
-              </a:rPr>
-              <a:t>:</a:t>
-            </a:r>
-          </a:p>
-          <a:p>
-            <a:r>
-              <a:rPr lang="es-ES" dirty="0"/>
-              <a:t> </a:t>
-            </a:r>
-            <a:r>
-              <a:rPr lang="es-CO" dirty="0" err="1">
-                <a:highlight>
-                  <a:srgbClr val="00FF00"/>
-                </a:highlight>
-              </a:rPr>
-              <a:t>print</a:t>
-            </a:r>
-            <a:r>
-              <a:rPr lang="es-CO" dirty="0">
-                <a:highlight>
-                  <a:srgbClr val="00FF00"/>
-                </a:highlight>
-              </a:rPr>
-              <a:t>(“El número no es ni positivo ni negativo”)</a:t>
-            </a:r>
-          </a:p>
-          <a:p>
-            <a:r>
-              <a:rPr lang="es-CO" dirty="0" err="1">
-                <a:solidFill>
-                  <a:srgbClr val="FF66FF"/>
-                </a:solidFill>
-              </a:rPr>
-              <a:t>Elif</a:t>
-            </a:r>
-            <a:r>
-              <a:rPr lang="es-CO" dirty="0"/>
-              <a:t> </a:t>
-            </a:r>
-            <a:r>
-              <a:rPr lang="es-CO" dirty="0">
-                <a:solidFill>
-                  <a:srgbClr val="FFC000"/>
-                </a:solidFill>
-              </a:rPr>
-              <a:t>x&gt;0 </a:t>
-            </a:r>
-            <a:r>
-              <a:rPr lang="es-CO" dirty="0">
-                <a:solidFill>
-                  <a:srgbClr val="C00000"/>
-                </a:solidFill>
-              </a:rPr>
-              <a:t>:</a:t>
-            </a:r>
-          </a:p>
-          <a:p>
-            <a:r>
-              <a:rPr lang="es-CO" dirty="0"/>
-              <a:t>   </a:t>
-            </a:r>
-            <a:r>
-              <a:rPr lang="es-CO" dirty="0" err="1">
-                <a:highlight>
-                  <a:srgbClr val="00FF00"/>
-                </a:highlight>
-              </a:rPr>
-              <a:t>print</a:t>
-            </a:r>
-            <a:r>
-              <a:rPr lang="es-CO" dirty="0">
-                <a:highlight>
-                  <a:srgbClr val="00FF00"/>
-                </a:highlight>
-              </a:rPr>
-              <a:t>(“El número es positivo”)</a:t>
-            </a:r>
-          </a:p>
-          <a:p>
-            <a:r>
-              <a:rPr lang="es-CO" dirty="0" err="1">
-                <a:solidFill>
-                  <a:srgbClr val="FF66FF"/>
-                </a:solidFill>
-              </a:rPr>
-              <a:t>Else</a:t>
-            </a:r>
-            <a:r>
-              <a:rPr lang="es-CO" dirty="0"/>
-              <a:t> </a:t>
-            </a:r>
-            <a:r>
-              <a:rPr lang="es-CO" dirty="0">
-                <a:solidFill>
-                  <a:srgbClr val="C00000"/>
-                </a:solidFill>
-              </a:rPr>
-              <a:t>:</a:t>
-            </a:r>
-          </a:p>
-          <a:p>
-            <a:r>
-              <a:rPr lang="es-CO" dirty="0"/>
-              <a:t>    </a:t>
-            </a:r>
-            <a:r>
-              <a:rPr lang="es-CO" dirty="0" err="1">
-                <a:highlight>
-                  <a:srgbClr val="00FF00"/>
-                </a:highlight>
-              </a:rPr>
-              <a:t>print</a:t>
-            </a:r>
-            <a:r>
-              <a:rPr lang="es-CO" dirty="0">
-                <a:highlight>
-                  <a:srgbClr val="00FF00"/>
-                </a:highlight>
-              </a:rPr>
-              <a:t> (“El número no es positivo”)</a:t>
-            </a:r>
-          </a:p>
-        </p:txBody>
-      </p:sp>
-    </p:spTree>
-    <p:extLst>
-      <p:ext uri="{BB962C8B-B14F-4D97-AF65-F5344CB8AC3E}">
-        <p14:creationId xmlns:p14="http://schemas.microsoft.com/office/powerpoint/2010/main" val="1619453116"/>
-      </p:ext>
-    </p:extLst>
-  </p:cSld>
-  <p:clrMapOvr>
-    <a:masterClrMapping/>
-  </p:clrMapOvr>
-</p:sld>
-</file>
-
-<file path=ppt/slides/slide12.xml><?xml version="1.0" encoding="utf-8"?>
-<p:sld xmlns:a="http://schemas.openxmlformats.org/drawingml/2006/main" xmlns:r="http://schemas.openxmlformats.org/officeDocument/2006/relationships" xmlns:p="http://schemas.openxmlformats.org/presentationml/2006/main">
-  <p:cSld>
-    <p:spTree>
-      <p:nvGrpSpPr>
-        <p:cNvPr id="1" name=""/>
-        <p:cNvGrpSpPr/>
-        <p:nvPr/>
-      </p:nvGrpSpPr>
-      <p:grpSpPr>
-        <a:xfrm>
-          <a:off x="0" y="0"/>
-          <a:ext cx="0" cy="0"/>
-          <a:chOff x="0" y="0"/>
-          <a:chExt cx="0" cy="0"/>
-        </a:xfrm>
-      </p:grpSpPr>
-      <p:sp>
-        <p:nvSpPr>
-          <p:cNvPr id="5122" name="1 Título">
-            <a:extLst>
-              <a:ext uri="{FF2B5EF4-FFF2-40B4-BE49-F238E27FC236}">
-                <a16:creationId xmlns:a16="http://schemas.microsoft.com/office/drawing/2014/main" id="{612B5792-076C-452D-8592-DDADCC263C58}"/>
-              </a:ext>
-            </a:extLst>
-          </p:cNvPr>
-          <p:cNvSpPr>
-            <a:spLocks noGrp="1"/>
-          </p:cNvSpPr>
-          <p:nvPr>
-            <p:ph type="ctrTitle"/>
-          </p:nvPr>
-        </p:nvSpPr>
-        <p:spPr>
-          <a:xfrm>
-            <a:off x="0" y="-28575"/>
-            <a:ext cx="779463" cy="720725"/>
-          </a:xfrm>
-        </p:spPr>
-        <p:txBody>
-          <a:bodyPr/>
-          <a:lstStyle/>
-          <a:p>
-            <a:pPr algn="ctr" eaLnBrk="1" hangingPunct="1"/>
-            <a:r>
-              <a:rPr lang="es-CO" altLang="es-CO" sz="3600" dirty="0"/>
-              <a:t>12</a:t>
-            </a:r>
-          </a:p>
-        </p:txBody>
-      </p:sp>
-      <p:sp>
-        <p:nvSpPr>
-          <p:cNvPr id="10" name="2 Subtítulo">
-            <a:extLst>
-              <a:ext uri="{FF2B5EF4-FFF2-40B4-BE49-F238E27FC236}">
-                <a16:creationId xmlns:a16="http://schemas.microsoft.com/office/drawing/2014/main" id="{0D52910C-C7FF-51AD-9B9D-1A390D5FFE1B}"/>
-              </a:ext>
-            </a:extLst>
-          </p:cNvPr>
-          <p:cNvSpPr txBox="1">
-            <a:spLocks/>
-          </p:cNvSpPr>
-          <p:nvPr/>
-        </p:nvSpPr>
-        <p:spPr bwMode="auto">
-          <a:xfrm>
-            <a:off x="2743200" y="192087"/>
-            <a:ext cx="6400800" cy="500063"/>
-          </a:xfrm>
-          <a:prstGeom prst="rect">
-            <a:avLst/>
-          </a:prstGeom>
-          <a:noFill/>
-          <a:ln>
-            <a:noFill/>
-          </a:ln>
-          <a:extLst>
-            <a:ext uri="{909E8E84-426E-40DD-AFC4-6F175D3DCCD1}">
-              <a14:hiddenFill xmlns:a14="http://schemas.microsoft.com/office/drawing/2010/main">
-                <a:solidFill>
-                  <a:srgbClr val="FFFFFF"/>
-                </a:solidFill>
-              </a14:hiddenFill>
-            </a:ext>
-            <a:ext uri="{91240B29-F687-4F45-9708-019B960494DF}">
-              <a14:hiddenLine xmlns:a14="http://schemas.microsoft.com/office/drawing/2010/main" w="9525">
-                <a:solidFill>
-                  <a:srgbClr val="000000"/>
-                </a:solidFill>
-                <a:miter lim="800000"/>
-                <a:headEnd/>
-                <a:tailEnd/>
-              </a14:hiddenLine>
-            </a:ext>
-          </a:extLst>
-        </p:spPr>
-        <p:txBody>
-          <a:bodyPr vert="horz" wrap="square" lIns="91440" tIns="45720" rIns="91440" bIns="45720" numCol="1" rtlCol="0" anchor="t" anchorCtr="0" compatLnSpc="1">
-            <a:prstTxWarp prst="textNoShape">
-              <a:avLst/>
-            </a:prstTxWarp>
-            <a:noAutofit/>
-          </a:bodyPr>
-          <a:lstStyle>
-            <a:lvl1pPr marL="342900" indent="-342900" algn="l" rtl="0" eaLnBrk="0" fontAlgn="base" hangingPunct="0">
-              <a:spcBef>
-                <a:spcPct val="20000"/>
-              </a:spcBef>
-              <a:spcAft>
-                <a:spcPct val="0"/>
-              </a:spcAft>
-              <a:buFont typeface="Arial" panose="020B0604020202020204" pitchFamily="34" charset="0"/>
-              <a:buChar char="•"/>
-              <a:defRPr sz="3200" kern="1200">
-                <a:solidFill>
-                  <a:schemeClr val="tx1"/>
-                </a:solidFill>
-                <a:latin typeface="Arial" pitchFamily="34" charset="0"/>
-                <a:ea typeface="+mn-ea"/>
-                <a:cs typeface="Arial" pitchFamily="34" charset="0"/>
-              </a:defRPr>
-            </a:lvl1pPr>
-            <a:lvl2pPr marL="742950" indent="-285750" algn="l" rtl="0" eaLnBrk="0" fontAlgn="base" hangingPunct="0">
-              <a:spcBef>
-                <a:spcPct val="20000"/>
-              </a:spcBef>
-              <a:spcAft>
-                <a:spcPct val="0"/>
-              </a:spcAft>
-              <a:buFont typeface="Arial" panose="020B0604020202020204" pitchFamily="34" charset="0"/>
-              <a:buChar char="–"/>
-              <a:defRPr sz="2800" kern="1200">
-                <a:solidFill>
-                  <a:schemeClr val="tx1"/>
-                </a:solidFill>
-                <a:latin typeface="Arial" pitchFamily="34" charset="0"/>
-                <a:ea typeface="+mn-ea"/>
-                <a:cs typeface="Arial" pitchFamily="34" charset="0"/>
-              </a:defRPr>
-            </a:lvl2pPr>
-            <a:lvl3pPr marL="1143000" indent="-228600" algn="l" rtl="0" eaLnBrk="0" fontAlgn="base" hangingPunct="0">
-              <a:spcBef>
-                <a:spcPct val="20000"/>
-              </a:spcBef>
-              <a:spcAft>
-                <a:spcPct val="0"/>
-              </a:spcAft>
-              <a:buFont typeface="Arial" panose="020B0604020202020204" pitchFamily="34" charset="0"/>
-              <a:buChar char="•"/>
-              <a:defRPr sz="2400" kern="1200">
-                <a:solidFill>
-                  <a:schemeClr val="tx1"/>
-                </a:solidFill>
-                <a:latin typeface="Arial" pitchFamily="34" charset="0"/>
-                <a:ea typeface="+mn-ea"/>
-                <a:cs typeface="Arial" pitchFamily="34" charset="0"/>
-              </a:defRPr>
-            </a:lvl3pPr>
-            <a:lvl4pPr marL="1600200" indent="-228600" algn="l" rtl="0" eaLnBrk="0" fontAlgn="base" hangingPunct="0">
-              <a:spcBef>
-                <a:spcPct val="20000"/>
-              </a:spcBef>
-              <a:spcAft>
-                <a:spcPct val="0"/>
-              </a:spcAft>
-              <a:buFont typeface="Arial" panose="020B0604020202020204" pitchFamily="34" charset="0"/>
-              <a:buChar char="–"/>
-              <a:defRPr sz="2000" kern="1200">
-                <a:solidFill>
-                  <a:schemeClr val="tx1"/>
-                </a:solidFill>
-                <a:latin typeface="Arial" pitchFamily="34" charset="0"/>
-                <a:ea typeface="+mn-ea"/>
-                <a:cs typeface="Arial" pitchFamily="34" charset="0"/>
-              </a:defRPr>
-            </a:lvl4pPr>
-            <a:lvl5pPr marL="2057400" indent="-228600" algn="l" rtl="0" eaLnBrk="0" fontAlgn="base" hangingPunct="0">
-              <a:spcBef>
-                <a:spcPct val="20000"/>
-              </a:spcBef>
-              <a:spcAft>
-                <a:spcPct val="0"/>
-              </a:spcAft>
-              <a:buFont typeface="Arial" panose="020B0604020202020204" pitchFamily="34" charset="0"/>
-              <a:buChar char="»"/>
-              <a:defRPr sz="2000" kern="1200">
-                <a:solidFill>
-                  <a:schemeClr val="tx1"/>
-                </a:solidFill>
-                <a:latin typeface="Arial" pitchFamily="34" charset="0"/>
-                <a:ea typeface="+mn-ea"/>
-                <a:cs typeface="Arial" pitchFamily="34" charset="0"/>
-              </a:defRPr>
-            </a:lvl5pPr>
-            <a:lvl6pPr marL="2514600" indent="-228600" algn="l" defTabSz="914400" rtl="0" eaLnBrk="1" latinLnBrk="0" hangingPunct="1">
-              <a:spcBef>
-                <a:spcPct val="20000"/>
-              </a:spcBef>
-              <a:buFont typeface="Arial" pitchFamily="34" charset="0"/>
-              <a:buChar char="•"/>
-              <a:defRPr sz="2000" kern="1200">
-                <a:solidFill>
-                  <a:schemeClr val="tx1"/>
-                </a:solidFill>
-                <a:latin typeface="+mn-lt"/>
-                <a:ea typeface="+mn-ea"/>
-                <a:cs typeface="+mn-cs"/>
-              </a:defRPr>
-            </a:lvl6pPr>
-            <a:lvl7pPr marL="2971800" indent="-228600" algn="l" defTabSz="914400" rtl="0" eaLnBrk="1" latinLnBrk="0" hangingPunct="1">
-              <a:spcBef>
-                <a:spcPct val="20000"/>
-              </a:spcBef>
-              <a:buFont typeface="Arial" pitchFamily="34" charset="0"/>
-              <a:buChar char="•"/>
-              <a:defRPr sz="2000" kern="1200">
-                <a:solidFill>
-                  <a:schemeClr val="tx1"/>
-                </a:solidFill>
-                <a:latin typeface="+mn-lt"/>
-                <a:ea typeface="+mn-ea"/>
-                <a:cs typeface="+mn-cs"/>
-              </a:defRPr>
-            </a:lvl7pPr>
-            <a:lvl8pPr marL="3429000" indent="-228600" algn="l" defTabSz="914400" rtl="0" eaLnBrk="1" latinLnBrk="0" hangingPunct="1">
-              <a:spcBef>
-                <a:spcPct val="20000"/>
-              </a:spcBef>
-              <a:buFont typeface="Arial" pitchFamily="34" charset="0"/>
-              <a:buChar char="•"/>
-              <a:defRPr sz="2000" kern="1200">
-                <a:solidFill>
-                  <a:schemeClr val="tx1"/>
-                </a:solidFill>
-                <a:latin typeface="+mn-lt"/>
-                <a:ea typeface="+mn-ea"/>
-                <a:cs typeface="+mn-cs"/>
-              </a:defRPr>
-            </a:lvl8pPr>
-            <a:lvl9pPr marL="3886200" indent="-228600" algn="l" defTabSz="914400" rtl="0" eaLnBrk="1" latinLnBrk="0" hangingPunct="1">
-              <a:spcBef>
-                <a:spcPct val="20000"/>
-              </a:spcBef>
-              <a:buFont typeface="Arial" pitchFamily="34" charset="0"/>
-              <a:buChar char="•"/>
-              <a:defRPr sz="2000" kern="1200">
-                <a:solidFill>
-                  <a:schemeClr val="tx1"/>
-                </a:solidFill>
-                <a:latin typeface="+mn-lt"/>
-                <a:ea typeface="+mn-ea"/>
-                <a:cs typeface="+mn-cs"/>
-              </a:defRPr>
-            </a:lvl9pPr>
-          </a:lstStyle>
-          <a:p>
-            <a:pPr marL="0" indent="0" algn="r" eaLnBrk="1" fontAlgn="auto" hangingPunct="1">
-              <a:spcAft>
-                <a:spcPts val="0"/>
-              </a:spcAft>
-              <a:buNone/>
-              <a:defRPr/>
-            </a:pPr>
-            <a:r>
-              <a:rPr lang="es-CO" sz="2000" b="1">
-                <a:solidFill>
-                  <a:schemeClr val="tx1">
-                    <a:lumMod val="75000"/>
-                    <a:lumOff val="25000"/>
-                  </a:schemeClr>
-                </a:solidFill>
-              </a:rPr>
-              <a:t>PROGRAMACIÓN</a:t>
-            </a:r>
-          </a:p>
-        </p:txBody>
-      </p:sp>
-      <p:pic>
-        <p:nvPicPr>
-          <p:cNvPr id="1028" name="Picture 4" descr="Programas - Intranet ETITC">
-            <a:extLst>
-              <a:ext uri="{FF2B5EF4-FFF2-40B4-BE49-F238E27FC236}">
-                <a16:creationId xmlns:a16="http://schemas.microsoft.com/office/drawing/2014/main" id="{86BA1783-B2FE-6B6A-8793-A57527FC5C00}"/>
-              </a:ext>
-            </a:extLst>
-          </p:cNvPr>
-          <p:cNvPicPr>
-            <a:picLocks noChangeAspect="1" noChangeArrowheads="1"/>
-          </p:cNvPicPr>
-          <p:nvPr/>
-        </p:nvPicPr>
-        <p:blipFill>
-          <a:blip r:embed="rId3">
-            <a:extLst>
-              <a:ext uri="{28A0092B-C50C-407E-A947-70E740481C1C}">
-                <a14:useLocalDpi xmlns:a14="http://schemas.microsoft.com/office/drawing/2010/main" val="0"/>
-              </a:ext>
-            </a:extLst>
-          </a:blip>
-          <a:srcRect/>
-          <a:stretch>
-            <a:fillRect/>
-          </a:stretch>
-        </p:blipFill>
-        <p:spPr bwMode="auto">
-          <a:xfrm>
-            <a:off x="795338" y="44758"/>
-            <a:ext cx="2483768" cy="794720"/>
-          </a:xfrm>
-          <a:prstGeom prst="rect">
-            <a:avLst/>
-          </a:prstGeom>
-          <a:noFill/>
-          <a:extLst>
-            <a:ext uri="{909E8E84-426E-40DD-AFC4-6F175D3DCCD1}">
-              <a14:hiddenFill xmlns:a14="http://schemas.microsoft.com/office/drawing/2010/main">
-                <a:solidFill>
-                  <a:srgbClr val="FFFFFF"/>
-                </a:solidFill>
-              </a14:hiddenFill>
-            </a:ext>
-          </a:extLst>
-        </p:spPr>
-      </p:pic>
-      <p:sp>
-        <p:nvSpPr>
-          <p:cNvPr id="4" name="2 Subtítulo">
-            <a:extLst>
-              <a:ext uri="{FF2B5EF4-FFF2-40B4-BE49-F238E27FC236}">
-                <a16:creationId xmlns:a16="http://schemas.microsoft.com/office/drawing/2014/main" id="{AB8B8B08-E850-1342-E835-3453EC0AD7C1}"/>
-              </a:ext>
-            </a:extLst>
-          </p:cNvPr>
-          <p:cNvSpPr txBox="1">
-            <a:spLocks/>
-          </p:cNvSpPr>
-          <p:nvPr/>
-        </p:nvSpPr>
-        <p:spPr bwMode="auto">
-          <a:xfrm>
-            <a:off x="-588788" y="5160887"/>
-            <a:ext cx="9137302" cy="500063"/>
-          </a:xfrm>
-          <a:prstGeom prst="rect">
-            <a:avLst/>
-          </a:prstGeom>
-          <a:noFill/>
-          <a:ln>
-            <a:noFill/>
-          </a:ln>
-          <a:extLst>
-            <a:ext uri="{909E8E84-426E-40DD-AFC4-6F175D3DCCD1}">
-              <a14:hiddenFill xmlns:a14="http://schemas.microsoft.com/office/drawing/2010/main">
-                <a:solidFill>
-                  <a:srgbClr val="FFFFFF"/>
-                </a:solidFill>
-              </a14:hiddenFill>
-            </a:ext>
-            <a:ext uri="{91240B29-F687-4F45-9708-019B960494DF}">
-              <a14:hiddenLine xmlns:a14="http://schemas.microsoft.com/office/drawing/2010/main" w="9525">
-                <a:solidFill>
-                  <a:srgbClr val="000000"/>
-                </a:solidFill>
-                <a:miter lim="800000"/>
-                <a:headEnd/>
-                <a:tailEnd/>
-              </a14:hiddenLine>
-            </a:ext>
-          </a:extLst>
-        </p:spPr>
-        <p:txBody>
-          <a:bodyPr vert="horz" wrap="square" lIns="91440" tIns="45720" rIns="91440" bIns="45720" numCol="1" rtlCol="0" anchor="t" anchorCtr="0" compatLnSpc="1">
-            <a:prstTxWarp prst="textNoShape">
-              <a:avLst/>
-            </a:prstTxWarp>
-            <a:noAutofit/>
-          </a:bodyPr>
-          <a:lstStyle>
-            <a:lvl1pPr marL="342900" indent="-342900" algn="l" rtl="0" eaLnBrk="0" fontAlgn="base" hangingPunct="0">
-              <a:spcBef>
-                <a:spcPct val="20000"/>
-              </a:spcBef>
-              <a:spcAft>
-                <a:spcPct val="0"/>
-              </a:spcAft>
-              <a:buFont typeface="Arial" panose="020B0604020202020204" pitchFamily="34" charset="0"/>
-              <a:buChar char="•"/>
-              <a:defRPr sz="3200" kern="1200">
-                <a:solidFill>
-                  <a:schemeClr val="tx1"/>
-                </a:solidFill>
-                <a:latin typeface="Arial" pitchFamily="34" charset="0"/>
-                <a:ea typeface="+mn-ea"/>
-                <a:cs typeface="Arial" pitchFamily="34" charset="0"/>
-              </a:defRPr>
-            </a:lvl1pPr>
-            <a:lvl2pPr marL="742950" indent="-285750" algn="l" rtl="0" eaLnBrk="0" fontAlgn="base" hangingPunct="0">
-              <a:spcBef>
-                <a:spcPct val="20000"/>
-              </a:spcBef>
-              <a:spcAft>
-                <a:spcPct val="0"/>
-              </a:spcAft>
-              <a:buFont typeface="Arial" panose="020B0604020202020204" pitchFamily="34" charset="0"/>
-              <a:buChar char="–"/>
-              <a:defRPr sz="2800" kern="1200">
-                <a:solidFill>
-                  <a:schemeClr val="tx1"/>
-                </a:solidFill>
-                <a:latin typeface="Arial" pitchFamily="34" charset="0"/>
-                <a:ea typeface="+mn-ea"/>
-                <a:cs typeface="Arial" pitchFamily="34" charset="0"/>
-              </a:defRPr>
-            </a:lvl2pPr>
-            <a:lvl3pPr marL="1143000" indent="-228600" algn="l" rtl="0" eaLnBrk="0" fontAlgn="base" hangingPunct="0">
-              <a:spcBef>
-                <a:spcPct val="20000"/>
-              </a:spcBef>
-              <a:spcAft>
-                <a:spcPct val="0"/>
-              </a:spcAft>
-              <a:buFont typeface="Arial" panose="020B0604020202020204" pitchFamily="34" charset="0"/>
-              <a:buChar char="•"/>
-              <a:defRPr sz="2400" kern="1200">
-                <a:solidFill>
-                  <a:schemeClr val="tx1"/>
-                </a:solidFill>
-                <a:latin typeface="Arial" pitchFamily="34" charset="0"/>
-                <a:ea typeface="+mn-ea"/>
-                <a:cs typeface="Arial" pitchFamily="34" charset="0"/>
-              </a:defRPr>
-            </a:lvl3pPr>
-            <a:lvl4pPr marL="1600200" indent="-228600" algn="l" rtl="0" eaLnBrk="0" fontAlgn="base" hangingPunct="0">
-              <a:spcBef>
-                <a:spcPct val="20000"/>
-              </a:spcBef>
-              <a:spcAft>
-                <a:spcPct val="0"/>
-              </a:spcAft>
-              <a:buFont typeface="Arial" panose="020B0604020202020204" pitchFamily="34" charset="0"/>
-              <a:buChar char="–"/>
-              <a:defRPr sz="2000" kern="1200">
-                <a:solidFill>
-                  <a:schemeClr val="tx1"/>
-                </a:solidFill>
-                <a:latin typeface="Arial" pitchFamily="34" charset="0"/>
-                <a:ea typeface="+mn-ea"/>
-                <a:cs typeface="Arial" pitchFamily="34" charset="0"/>
-              </a:defRPr>
-            </a:lvl4pPr>
-            <a:lvl5pPr marL="2057400" indent="-228600" algn="l" rtl="0" eaLnBrk="0" fontAlgn="base" hangingPunct="0">
-              <a:spcBef>
-                <a:spcPct val="20000"/>
-              </a:spcBef>
-              <a:spcAft>
-                <a:spcPct val="0"/>
-              </a:spcAft>
-              <a:buFont typeface="Arial" panose="020B0604020202020204" pitchFamily="34" charset="0"/>
-              <a:buChar char="»"/>
-              <a:defRPr sz="2000" kern="1200">
-                <a:solidFill>
-                  <a:schemeClr val="tx1"/>
-                </a:solidFill>
-                <a:latin typeface="Arial" pitchFamily="34" charset="0"/>
-                <a:ea typeface="+mn-ea"/>
-                <a:cs typeface="Arial" pitchFamily="34" charset="0"/>
-              </a:defRPr>
-            </a:lvl5pPr>
-            <a:lvl6pPr marL="2514600" indent="-228600" algn="l" defTabSz="914400" rtl="0" eaLnBrk="1" latinLnBrk="0" hangingPunct="1">
-              <a:spcBef>
-                <a:spcPct val="20000"/>
-              </a:spcBef>
-              <a:buFont typeface="Arial" pitchFamily="34" charset="0"/>
-              <a:buChar char="•"/>
-              <a:defRPr sz="2000" kern="1200">
-                <a:solidFill>
-                  <a:schemeClr val="tx1"/>
-                </a:solidFill>
-                <a:latin typeface="+mn-lt"/>
-                <a:ea typeface="+mn-ea"/>
-                <a:cs typeface="+mn-cs"/>
-              </a:defRPr>
-            </a:lvl6pPr>
-            <a:lvl7pPr marL="2971800" indent="-228600" algn="l" defTabSz="914400" rtl="0" eaLnBrk="1" latinLnBrk="0" hangingPunct="1">
-              <a:spcBef>
-                <a:spcPct val="20000"/>
-              </a:spcBef>
-              <a:buFont typeface="Arial" pitchFamily="34" charset="0"/>
-              <a:buChar char="•"/>
-              <a:defRPr sz="2000" kern="1200">
-                <a:solidFill>
-                  <a:schemeClr val="tx1"/>
-                </a:solidFill>
-                <a:latin typeface="+mn-lt"/>
-                <a:ea typeface="+mn-ea"/>
-                <a:cs typeface="+mn-cs"/>
-              </a:defRPr>
-            </a:lvl7pPr>
-            <a:lvl8pPr marL="3429000" indent="-228600" algn="l" defTabSz="914400" rtl="0" eaLnBrk="1" latinLnBrk="0" hangingPunct="1">
-              <a:spcBef>
-                <a:spcPct val="20000"/>
-              </a:spcBef>
-              <a:buFont typeface="Arial" pitchFamily="34" charset="0"/>
-              <a:buChar char="•"/>
-              <a:defRPr sz="2000" kern="1200">
-                <a:solidFill>
-                  <a:schemeClr val="tx1"/>
-                </a:solidFill>
-                <a:latin typeface="+mn-lt"/>
-                <a:ea typeface="+mn-ea"/>
-                <a:cs typeface="+mn-cs"/>
-              </a:defRPr>
-            </a:lvl8pPr>
-            <a:lvl9pPr marL="3886200" indent="-228600" algn="l" defTabSz="914400" rtl="0" eaLnBrk="1" latinLnBrk="0" hangingPunct="1">
-              <a:spcBef>
-                <a:spcPct val="20000"/>
-              </a:spcBef>
-              <a:buFont typeface="Arial" pitchFamily="34" charset="0"/>
-              <a:buChar char="•"/>
-              <a:defRPr sz="2000" kern="1200">
-                <a:solidFill>
-                  <a:schemeClr val="tx1"/>
-                </a:solidFill>
-                <a:latin typeface="+mn-lt"/>
-                <a:ea typeface="+mn-ea"/>
-                <a:cs typeface="+mn-cs"/>
-              </a:defRPr>
-            </a:lvl9pPr>
-          </a:lstStyle>
-          <a:p>
-            <a:pPr marL="0" indent="0" algn="r" eaLnBrk="1" fontAlgn="auto" hangingPunct="1">
-              <a:spcAft>
-                <a:spcPts val="0"/>
-              </a:spcAft>
-              <a:buNone/>
-              <a:defRPr/>
-            </a:pPr>
-            <a:r>
-              <a:rPr lang="es-CO" sz="2000" b="1">
-                <a:solidFill>
-                  <a:schemeClr val="tx1">
-                    <a:lumMod val="75000"/>
-                    <a:lumOff val="25000"/>
-                  </a:schemeClr>
-                </a:solidFill>
-              </a:rPr>
-              <a:t>CONDICIONALES</a:t>
-            </a:r>
-          </a:p>
-        </p:txBody>
-      </p:sp>
-      <p:sp>
-        <p:nvSpPr>
-          <p:cNvPr id="5" name="CuadroTexto 4">
-            <a:extLst>
-              <a:ext uri="{FF2B5EF4-FFF2-40B4-BE49-F238E27FC236}">
-                <a16:creationId xmlns:a16="http://schemas.microsoft.com/office/drawing/2014/main" id="{0BFE988D-E0D0-BC10-5B79-0B658874D14B}"/>
-              </a:ext>
-            </a:extLst>
-          </p:cNvPr>
-          <p:cNvSpPr txBox="1"/>
-          <p:nvPr/>
-        </p:nvSpPr>
-        <p:spPr>
-          <a:xfrm>
-            <a:off x="2037222" y="2168894"/>
-            <a:ext cx="4896292" cy="1200329"/>
-          </a:xfrm>
-          <a:prstGeom prst="rect">
-            <a:avLst/>
-          </a:prstGeom>
-          <a:noFill/>
-        </p:spPr>
-        <p:txBody>
-          <a:bodyPr wrap="square">
-            <a:spAutoFit/>
-          </a:bodyPr>
-          <a:lstStyle/>
-          <a:p>
-            <a:r>
-              <a:rPr lang="es-CO" dirty="0"/>
-              <a:t>El condicional ELSE IF nos permite </a:t>
-            </a:r>
-            <a:r>
-              <a:rPr lang="es-ES" dirty="0"/>
-              <a:t>hacer condicionales encadenados con la sentencia </a:t>
-            </a:r>
-            <a:r>
-              <a:rPr lang="es-ES" dirty="0" err="1"/>
-              <a:t>elif</a:t>
-            </a:r>
-            <a:r>
-              <a:rPr lang="es-ES" dirty="0"/>
-              <a:t>. Esta forma de escribir los condicionales nos servirá cuando tengamos más de 2 condiciones disjuntas.</a:t>
-            </a:r>
-            <a:endParaRPr lang="es-CO" dirty="0"/>
-          </a:p>
-        </p:txBody>
-      </p:sp>
-    </p:spTree>
-    <p:extLst>
-      <p:ext uri="{BB962C8B-B14F-4D97-AF65-F5344CB8AC3E}">
-        <p14:creationId xmlns:p14="http://schemas.microsoft.com/office/powerpoint/2010/main" val="1583425945"/>
-      </p:ext>
-    </p:extLst>
   </p:cSld>
   <p:clrMapOvr>
     <a:masterClrMapping/>
@@ -23417,6 +20449,14 @@
 </file>
 
 <file path=customXml/item1.xml><?xml version="1.0" encoding="utf-8"?>
+<p:properties xmlns:p="http://schemas.microsoft.com/office/2006/metadata/properties" xmlns:xsi="http://www.w3.org/2001/XMLSchema-instance" xmlns:pc="http://schemas.microsoft.com/office/infopath/2007/PartnerControls">
+  <documentManagement>
+    <_activity xmlns="bdc56f61-abc0-4f7e-bfec-a93ccd1ae886" xsi:nil="true"/>
+  </documentManagement>
+</p:properties>
+</file>
+
+<file path=customXml/item2.xml><?xml version="1.0" encoding="utf-8"?>
 <ct:contentTypeSchema xmlns:ct="http://schemas.microsoft.com/office/2006/metadata/contentType" xmlns:ma="http://schemas.microsoft.com/office/2006/metadata/properties/metaAttributes" ct:_="" ma:_="" ma:contentTypeName="Documento" ma:contentTypeID="0x0101007A62137D465CE64A8C883A4664514BF8" ma:contentTypeVersion="15" ma:contentTypeDescription="Crear nuevo documento." ma:contentTypeScope="" ma:versionID="a1bd1d59f691eb9bca6952b111268275">
   <xsd:schema xmlns:xsd="http://www.w3.org/2001/XMLSchema" xmlns:xs="http://www.w3.org/2001/XMLSchema" xmlns:p="http://schemas.microsoft.com/office/2006/metadata/properties" xmlns:ns3="669280c1-d17e-4d1d-bd7f-b4f14cc6bf1d" xmlns:ns4="bdc56f61-abc0-4f7e-bfec-a93ccd1ae886" targetNamespace="http://schemas.microsoft.com/office/2006/metadata/properties" ma:root="true" ma:fieldsID="d02990a02f19f0f9fc7b999b1809cae4" ns3:_="" ns4:_="">
     <xsd:import namespace="669280c1-d17e-4d1d-bd7f-b4f14cc6bf1d"/>
@@ -23651,14 +20691,6 @@
 </ct:contentTypeSchema>
 </file>
 
-<file path=customXml/item2.xml><?xml version="1.0" encoding="utf-8"?>
-<p:properties xmlns:p="http://schemas.microsoft.com/office/2006/metadata/properties" xmlns:xsi="http://www.w3.org/2001/XMLSchema-instance" xmlns:pc="http://schemas.microsoft.com/office/infopath/2007/PartnerControls">
-  <documentManagement>
-    <_activity xmlns="bdc56f61-abc0-4f7e-bfec-a93ccd1ae886" xsi:nil="true"/>
-  </documentManagement>
-</p:properties>
-</file>
-
 <file path=customXml/item3.xml><?xml version="1.0" encoding="utf-8"?>
 <?mso-contentType ?>
 <FormTemplates xmlns="http://schemas.microsoft.com/sharepoint/v3/contenttype/forms">
@@ -23669,6 +20701,23 @@
 </file>
 
 <file path=customXml/itemProps1.xml><?xml version="1.0" encoding="utf-8"?>
+<ds:datastoreItem xmlns:ds="http://schemas.openxmlformats.org/officeDocument/2006/customXml" ds:itemID="{0825853C-1B27-4995-A583-4D39F900BB7F}">
+  <ds:schemaRefs>
+    <ds:schemaRef ds:uri="669280c1-d17e-4d1d-bd7f-b4f14cc6bf1d"/>
+    <ds:schemaRef ds:uri="bdc56f61-abc0-4f7e-bfec-a93ccd1ae886"/>
+    <ds:schemaRef ds:uri="http://purl.org/dc/dcmitype/"/>
+    <ds:schemaRef ds:uri="http://purl.org/dc/elements/1.1/"/>
+    <ds:schemaRef ds:uri="http://purl.org/dc/terms/"/>
+    <ds:schemaRef ds:uri="http://schemas.microsoft.com/office/2006/documentManagement/types"/>
+    <ds:schemaRef ds:uri="http://schemas.microsoft.com/office/2006/metadata/properties"/>
+    <ds:schemaRef ds:uri="http://schemas.microsoft.com/office/infopath/2007/PartnerControls"/>
+    <ds:schemaRef ds:uri="http://schemas.openxmlformats.org/package/2006/metadata/core-properties"/>
+    <ds:schemaRef ds:uri="http://www.w3.org/XML/1998/namespace"/>
+  </ds:schemaRefs>
+</ds:datastoreItem>
+</file>
+
+<file path=customXml/itemProps2.xml><?xml version="1.0" encoding="utf-8"?>
 <ds:datastoreItem xmlns:ds="http://schemas.openxmlformats.org/officeDocument/2006/customXml" ds:itemID="{025820C3-FD82-4EFC-BF14-EAF1F9613F52}">
   <ds:schemaRefs>
     <ds:schemaRef ds:uri="669280c1-d17e-4d1d-bd7f-b4f14cc6bf1d"/>
@@ -23687,23 +20736,6 @@
 </ds:datastoreItem>
 </file>
 
-<file path=customXml/itemProps2.xml><?xml version="1.0" encoding="utf-8"?>
-<ds:datastoreItem xmlns:ds="http://schemas.openxmlformats.org/officeDocument/2006/customXml" ds:itemID="{0825853C-1B27-4995-A583-4D39F900BB7F}">
-  <ds:schemaRefs>
-    <ds:schemaRef ds:uri="669280c1-d17e-4d1d-bd7f-b4f14cc6bf1d"/>
-    <ds:schemaRef ds:uri="bdc56f61-abc0-4f7e-bfec-a93ccd1ae886"/>
-    <ds:schemaRef ds:uri="http://purl.org/dc/dcmitype/"/>
-    <ds:schemaRef ds:uri="http://purl.org/dc/elements/1.1/"/>
-    <ds:schemaRef ds:uri="http://purl.org/dc/terms/"/>
-    <ds:schemaRef ds:uri="http://schemas.microsoft.com/office/2006/documentManagement/types"/>
-    <ds:schemaRef ds:uri="http://schemas.microsoft.com/office/2006/metadata/properties"/>
-    <ds:schemaRef ds:uri="http://schemas.microsoft.com/office/infopath/2007/PartnerControls"/>
-    <ds:schemaRef ds:uri="http://schemas.openxmlformats.org/package/2006/metadata/core-properties"/>
-    <ds:schemaRef ds:uri="http://www.w3.org/XML/1998/namespace"/>
-  </ds:schemaRefs>
-</ds:datastoreItem>
-</file>
-
 <file path=customXml/itemProps3.xml><?xml version="1.0" encoding="utf-8"?>
 <ds:datastoreItem xmlns:ds="http://schemas.openxmlformats.org/officeDocument/2006/customXml" ds:itemID="{4E8623C8-32E1-48B0-9F0A-13F2E9582B7E}">
   <ds:schemaRefs>
